--- a/Project One.pptx
+++ b/Project One.pptx
@@ -15,26 +15,21 @@
     <p:sldId id="260" r:id="rId9"/>
     <p:sldId id="261" r:id="rId10"/>
     <p:sldId id="262" r:id="rId11"/>
-    <p:sldId id="263" r:id="rId12"/>
-    <p:sldId id="264" r:id="rId13"/>
-    <p:sldId id="265" r:id="rId14"/>
-    <p:sldId id="266" r:id="rId15"/>
-    <p:sldId id="267" r:id="rId16"/>
   </p:sldIdLst>
   <p:sldSz cy="5143500" cx="9144000"/>
   <p:notesSz cx="6858000" cy="9144000"/>
   <p:embeddedFontLst>
     <p:embeddedFont>
       <p:font typeface="Nunito"/>
-      <p:regular r:id="rId17"/>
-      <p:bold r:id="rId18"/>
-      <p:italic r:id="rId19"/>
-      <p:boldItalic r:id="rId20"/>
+      <p:regular r:id="rId12"/>
+      <p:bold r:id="rId13"/>
+      <p:italic r:id="rId14"/>
+      <p:boldItalic r:id="rId15"/>
     </p:embeddedFont>
     <p:embeddedFont>
       <p:font typeface="Maven Pro"/>
-      <p:regular r:id="rId21"/>
-      <p:bold r:id="rId22"/>
+      <p:regular r:id="rId16"/>
+      <p:bold r:id="rId17"/>
     </p:embeddedFont>
   </p:embeddedFontLst>
   <p:defaultTextStyle>
@@ -792,12 +787,12 @@
 </p:notes>
 </file>
 
-<file path=ppt/notesSlides/notesSlide10.xml><?xml version="1.0" encoding="utf-8"?>
+<file path=ppt/notesSlides/notesSlide2.xml><?xml version="1.0" encoding="utf-8"?>
 <p:notes xmlns:a="http://schemas.openxmlformats.org/drawingml/2006/main" xmlns:r="http://schemas.openxmlformats.org/officeDocument/2006/relationships" xmlns:mc="http://schemas.openxmlformats.org/markup-compatibility/2006" xmlns:mv="urn:schemas-microsoft-com:mac:vml" xmlns:p="http://schemas.openxmlformats.org/presentationml/2006/main" xmlns:c="http://schemas.openxmlformats.org/drawingml/2006/chart" xmlns:dgm="http://schemas.openxmlformats.org/drawingml/2006/diagram" xmlns:o="urn:schemas-microsoft-com:office:office" xmlns:v="urn:schemas-microsoft-com:vml" xmlns:pvml="urn:schemas-microsoft-com:office:powerpoint" xmlns:com="http://schemas.openxmlformats.org/drawingml/2006/compatibility" xmlns:p14="http://schemas.microsoft.com/office/powerpoint/2010/main" xmlns:p15="http://schemas.microsoft.com/office/powerpoint/2012/main" showMasterPhAnim="0" showMasterSp="0">
   <p:cSld>
     <p:spTree>
       <p:nvGrpSpPr>
-        <p:cNvPr id="335" name="Shape 335"/>
+        <p:cNvPr id="279" name="Shape 279"/>
         <p:cNvGrpSpPr/>
         <p:nvPr/>
       </p:nvGrpSpPr>
@@ -811,7 +806,7 @@
       </p:grpSpPr>
       <p:sp>
         <p:nvSpPr>
-          <p:cNvPr id="336" name="Google Shape;336;g4a43c9daff_1_60:notes"/>
+          <p:cNvPr id="280" name="Google Shape;280;g4a43c9daff_1_18:notes"/>
           <p:cNvSpPr/>
           <p:nvPr>
             <p:ph idx="2" type="sldImg"/>
@@ -846,7 +841,7 @@
       </p:sp>
       <p:sp>
         <p:nvSpPr>
-          <p:cNvPr id="337" name="Google Shape;337;g4a43c9daff_1_60:notes"/>
+          <p:cNvPr id="281" name="Google Shape;281;g4a43c9daff_1_18:notes"/>
           <p:cNvSpPr txBox="1"/>
           <p:nvPr>
             <p:ph idx="1" type="body"/>
@@ -891,12 +886,12 @@
 </p:notes>
 </file>
 
-<file path=ppt/notesSlides/notesSlide11.xml><?xml version="1.0" encoding="utf-8"?>
+<file path=ppt/notesSlides/notesSlide3.xml><?xml version="1.0" encoding="utf-8"?>
 <p:notes xmlns:a="http://schemas.openxmlformats.org/drawingml/2006/main" xmlns:r="http://schemas.openxmlformats.org/officeDocument/2006/relationships" xmlns:mc="http://schemas.openxmlformats.org/markup-compatibility/2006" xmlns:mv="urn:schemas-microsoft-com:mac:vml" xmlns:p="http://schemas.openxmlformats.org/presentationml/2006/main" xmlns:c="http://schemas.openxmlformats.org/drawingml/2006/chart" xmlns:dgm="http://schemas.openxmlformats.org/drawingml/2006/diagram" xmlns:o="urn:schemas-microsoft-com:office:office" xmlns:v="urn:schemas-microsoft-com:vml" xmlns:pvml="urn:schemas-microsoft-com:office:powerpoint" xmlns:com="http://schemas.openxmlformats.org/drawingml/2006/compatibility" xmlns:p14="http://schemas.microsoft.com/office/powerpoint/2010/main" xmlns:p15="http://schemas.microsoft.com/office/powerpoint/2012/main" showMasterPhAnim="0" showMasterSp="0">
   <p:cSld>
     <p:spTree>
       <p:nvGrpSpPr>
-        <p:cNvPr id="341" name="Shape 341"/>
+        <p:cNvPr id="286" name="Shape 286"/>
         <p:cNvGrpSpPr/>
         <p:nvPr/>
       </p:nvGrpSpPr>
@@ -910,7 +905,7 @@
       </p:grpSpPr>
       <p:sp>
         <p:nvSpPr>
-          <p:cNvPr id="342" name="Google Shape;342;g4a43c9ded8_0_7:notes"/>
+          <p:cNvPr id="287" name="Google Shape;287;g49f8e8d5dc_0_0:notes"/>
           <p:cNvSpPr/>
           <p:nvPr>
             <p:ph idx="2" type="sldImg"/>
@@ -945,7 +940,7 @@
       </p:sp>
       <p:sp>
         <p:nvSpPr>
-          <p:cNvPr id="343" name="Google Shape;343;g4a43c9ded8_0_7:notes"/>
+          <p:cNvPr id="288" name="Google Shape;288;g49f8e8d5dc_0_0:notes"/>
           <p:cNvSpPr txBox="1"/>
           <p:nvPr>
             <p:ph idx="1" type="body"/>
@@ -990,12 +985,12 @@
 </p:notes>
 </file>
 
-<file path=ppt/notesSlides/notesSlide12.xml><?xml version="1.0" encoding="utf-8"?>
+<file path=ppt/notesSlides/notesSlide4.xml><?xml version="1.0" encoding="utf-8"?>
 <p:notes xmlns:a="http://schemas.openxmlformats.org/drawingml/2006/main" xmlns:r="http://schemas.openxmlformats.org/officeDocument/2006/relationships" xmlns:mc="http://schemas.openxmlformats.org/markup-compatibility/2006" xmlns:mv="urn:schemas-microsoft-com:mac:vml" xmlns:p="http://schemas.openxmlformats.org/presentationml/2006/main" xmlns:c="http://schemas.openxmlformats.org/drawingml/2006/chart" xmlns:dgm="http://schemas.openxmlformats.org/drawingml/2006/diagram" xmlns:o="urn:schemas-microsoft-com:office:office" xmlns:v="urn:schemas-microsoft-com:vml" xmlns:pvml="urn:schemas-microsoft-com:office:powerpoint" xmlns:com="http://schemas.openxmlformats.org/drawingml/2006/compatibility" xmlns:p14="http://schemas.microsoft.com/office/powerpoint/2010/main" xmlns:p15="http://schemas.microsoft.com/office/powerpoint/2012/main" showMasterPhAnim="0" showMasterSp="0">
   <p:cSld>
     <p:spTree>
       <p:nvGrpSpPr>
-        <p:cNvPr id="347" name="Shape 347"/>
+        <p:cNvPr id="292" name="Shape 292"/>
         <p:cNvGrpSpPr/>
         <p:nvPr/>
       </p:nvGrpSpPr>
@@ -1009,7 +1004,7 @@
       </p:grpSpPr>
       <p:sp>
         <p:nvSpPr>
-          <p:cNvPr id="348" name="Google Shape;348;g4a43c9ded8_0_2:notes"/>
+          <p:cNvPr id="293" name="Google Shape;293;g4be9d3e328_0_2:notes"/>
           <p:cNvSpPr/>
           <p:nvPr>
             <p:ph idx="2" type="sldImg"/>
@@ -1044,7 +1039,7 @@
       </p:sp>
       <p:sp>
         <p:nvSpPr>
-          <p:cNvPr id="349" name="Google Shape;349;g4a43c9ded8_0_2:notes"/>
+          <p:cNvPr id="294" name="Google Shape;294;g4be9d3e328_0_2:notes"/>
           <p:cNvSpPr txBox="1"/>
           <p:nvPr>
             <p:ph idx="1" type="body"/>
@@ -1089,12 +1084,12 @@
 </p:notes>
 </file>
 
-<file path=ppt/notesSlides/notesSlide2.xml><?xml version="1.0" encoding="utf-8"?>
+<file path=ppt/notesSlides/notesSlide5.xml><?xml version="1.0" encoding="utf-8"?>
 <p:notes xmlns:a="http://schemas.openxmlformats.org/drawingml/2006/main" xmlns:r="http://schemas.openxmlformats.org/officeDocument/2006/relationships" xmlns:mc="http://schemas.openxmlformats.org/markup-compatibility/2006" xmlns:mv="urn:schemas-microsoft-com:mac:vml" xmlns:p="http://schemas.openxmlformats.org/presentationml/2006/main" xmlns:c="http://schemas.openxmlformats.org/drawingml/2006/chart" xmlns:dgm="http://schemas.openxmlformats.org/drawingml/2006/diagram" xmlns:o="urn:schemas-microsoft-com:office:office" xmlns:v="urn:schemas-microsoft-com:vml" xmlns:pvml="urn:schemas-microsoft-com:office:powerpoint" xmlns:com="http://schemas.openxmlformats.org/drawingml/2006/compatibility" xmlns:p14="http://schemas.microsoft.com/office/powerpoint/2010/main" xmlns:p15="http://schemas.microsoft.com/office/powerpoint/2012/main" showMasterPhAnim="0" showMasterSp="0">
   <p:cSld>
     <p:spTree>
       <p:nvGrpSpPr>
-        <p:cNvPr id="279" name="Shape 279"/>
+        <p:cNvPr id="298" name="Shape 298"/>
         <p:cNvGrpSpPr/>
         <p:nvPr/>
       </p:nvGrpSpPr>
@@ -1108,7 +1103,7 @@
       </p:grpSpPr>
       <p:sp>
         <p:nvSpPr>
-          <p:cNvPr id="280" name="Google Shape;280;g4a43c9daff_1_6:notes"/>
+          <p:cNvPr id="299" name="Google Shape;299;g4be9d3e328_0_7:notes"/>
           <p:cNvSpPr/>
           <p:nvPr>
             <p:ph idx="2" type="sldImg"/>
@@ -1143,7 +1138,7 @@
       </p:sp>
       <p:sp>
         <p:nvSpPr>
-          <p:cNvPr id="281" name="Google Shape;281;g4a43c9daff_1_6:notes"/>
+          <p:cNvPr id="300" name="Google Shape;300;g4be9d3e328_0_7:notes"/>
           <p:cNvSpPr txBox="1"/>
           <p:nvPr>
             <p:ph idx="1" type="body"/>
@@ -1188,12 +1183,12 @@
 </p:notes>
 </file>
 
-<file path=ppt/notesSlides/notesSlide3.xml><?xml version="1.0" encoding="utf-8"?>
+<file path=ppt/notesSlides/notesSlide6.xml><?xml version="1.0" encoding="utf-8"?>
 <p:notes xmlns:a="http://schemas.openxmlformats.org/drawingml/2006/main" xmlns:r="http://schemas.openxmlformats.org/officeDocument/2006/relationships" xmlns:mc="http://schemas.openxmlformats.org/markup-compatibility/2006" xmlns:mv="urn:schemas-microsoft-com:mac:vml" xmlns:p="http://schemas.openxmlformats.org/presentationml/2006/main" xmlns:c="http://schemas.openxmlformats.org/drawingml/2006/chart" xmlns:dgm="http://schemas.openxmlformats.org/drawingml/2006/diagram" xmlns:o="urn:schemas-microsoft-com:office:office" xmlns:v="urn:schemas-microsoft-com:vml" xmlns:pvml="urn:schemas-microsoft-com:office:powerpoint" xmlns:com="http://schemas.openxmlformats.org/drawingml/2006/compatibility" xmlns:p14="http://schemas.microsoft.com/office/powerpoint/2010/main" xmlns:p15="http://schemas.microsoft.com/office/powerpoint/2012/main" showMasterPhAnim="0" showMasterSp="0">
   <p:cSld>
     <p:spTree>
       <p:nvGrpSpPr>
-        <p:cNvPr id="285" name="Shape 285"/>
+        <p:cNvPr id="305" name="Shape 305"/>
         <p:cNvGrpSpPr/>
         <p:nvPr/>
       </p:nvGrpSpPr>
@@ -1207,7 +1202,7 @@
       </p:grpSpPr>
       <p:sp>
         <p:nvSpPr>
-          <p:cNvPr id="286" name="Google Shape;286;g4a43c9daff_1_11:notes"/>
+          <p:cNvPr id="306" name="Google Shape;306;g4be9d3e328_0_18:notes"/>
           <p:cNvSpPr/>
           <p:nvPr>
             <p:ph idx="2" type="sldImg"/>
@@ -1242,7 +1237,7 @@
       </p:sp>
       <p:sp>
         <p:nvSpPr>
-          <p:cNvPr id="287" name="Google Shape;287;g4a43c9daff_1_11:notes"/>
+          <p:cNvPr id="307" name="Google Shape;307;g4be9d3e328_0_18:notes"/>
           <p:cNvSpPr txBox="1"/>
           <p:nvPr>
             <p:ph idx="1" type="body"/>
@@ -1287,12 +1282,12 @@
 </p:notes>
 </file>
 
-<file path=ppt/notesSlides/notesSlide4.xml><?xml version="1.0" encoding="utf-8"?>
+<file path=ppt/notesSlides/notesSlide7.xml><?xml version="1.0" encoding="utf-8"?>
 <p:notes xmlns:a="http://schemas.openxmlformats.org/drawingml/2006/main" xmlns:r="http://schemas.openxmlformats.org/officeDocument/2006/relationships" xmlns:mc="http://schemas.openxmlformats.org/markup-compatibility/2006" xmlns:mv="urn:schemas-microsoft-com:mac:vml" xmlns:p="http://schemas.openxmlformats.org/presentationml/2006/main" xmlns:c="http://schemas.openxmlformats.org/drawingml/2006/chart" xmlns:dgm="http://schemas.openxmlformats.org/drawingml/2006/diagram" xmlns:o="urn:schemas-microsoft-com:office:office" xmlns:v="urn:schemas-microsoft-com:vml" xmlns:pvml="urn:schemas-microsoft-com:office:powerpoint" xmlns:com="http://schemas.openxmlformats.org/drawingml/2006/compatibility" xmlns:p14="http://schemas.microsoft.com/office/powerpoint/2010/main" xmlns:p15="http://schemas.microsoft.com/office/powerpoint/2012/main" showMasterPhAnim="0" showMasterSp="0">
   <p:cSld>
     <p:spTree>
       <p:nvGrpSpPr>
-        <p:cNvPr id="293" name="Shape 293"/>
+        <p:cNvPr id="311" name="Shape 311"/>
         <p:cNvGrpSpPr/>
         <p:nvPr/>
       </p:nvGrpSpPr>
@@ -1306,7 +1301,7 @@
       </p:grpSpPr>
       <p:sp>
         <p:nvSpPr>
-          <p:cNvPr id="294" name="Google Shape;294;g4a43c9daff_1_18:notes"/>
+          <p:cNvPr id="312" name="Google Shape;312;g4be9d3e328_0_23:notes"/>
           <p:cNvSpPr/>
           <p:nvPr>
             <p:ph idx="2" type="sldImg"/>
@@ -1341,502 +1336,7 @@
       </p:sp>
       <p:sp>
         <p:nvSpPr>
-          <p:cNvPr id="295" name="Google Shape;295;g4a43c9daff_1_18:notes"/>
-          <p:cNvSpPr txBox="1"/>
-          <p:nvPr>
-            <p:ph idx="1" type="body"/>
-          </p:nvPr>
-        </p:nvSpPr>
-        <p:spPr>
-          <a:xfrm>
-            <a:off x="685800" y="4343400"/>
-            <a:ext cx="5486400" cy="4114800"/>
-          </a:xfrm>
-          <a:prstGeom prst="rect">
-            <a:avLst/>
-          </a:prstGeom>
-        </p:spPr>
-        <p:txBody>
-          <a:bodyPr anchorCtr="0" anchor="t" bIns="91425" lIns="91425" spcFirstLastPara="1" rIns="91425" wrap="square" tIns="91425">
-            <a:noAutofit/>
-          </a:bodyPr>
-          <a:lstStyle/>
-          <a:p>
-            <a:pPr indent="0" lvl="0" marL="0" rtl="0" algn="l">
-              <a:spcBef>
-                <a:spcPts val="0"/>
-              </a:spcBef>
-              <a:spcAft>
-                <a:spcPts val="0"/>
-              </a:spcAft>
-              <a:buNone/>
-            </a:pPr>
-            <a:r>
-              <a:t/>
-            </a:r>
-            <a:endParaRPr/>
-          </a:p>
-        </p:txBody>
-      </p:sp>
-    </p:spTree>
-  </p:cSld>
-  <p:clrMapOvr>
-    <a:masterClrMapping/>
-  </p:clrMapOvr>
-</p:notes>
-</file>
-
-<file path=ppt/notesSlides/notesSlide5.xml><?xml version="1.0" encoding="utf-8"?>
-<p:notes xmlns:a="http://schemas.openxmlformats.org/drawingml/2006/main" xmlns:r="http://schemas.openxmlformats.org/officeDocument/2006/relationships" xmlns:mc="http://schemas.openxmlformats.org/markup-compatibility/2006" xmlns:mv="urn:schemas-microsoft-com:mac:vml" xmlns:p="http://schemas.openxmlformats.org/presentationml/2006/main" xmlns:c="http://schemas.openxmlformats.org/drawingml/2006/chart" xmlns:dgm="http://schemas.openxmlformats.org/drawingml/2006/diagram" xmlns:o="urn:schemas-microsoft-com:office:office" xmlns:v="urn:schemas-microsoft-com:vml" xmlns:pvml="urn:schemas-microsoft-com:office:powerpoint" xmlns:com="http://schemas.openxmlformats.org/drawingml/2006/compatibility" xmlns:p14="http://schemas.microsoft.com/office/powerpoint/2010/main" xmlns:p15="http://schemas.microsoft.com/office/powerpoint/2012/main" showMasterPhAnim="0" showMasterSp="0">
-  <p:cSld>
-    <p:spTree>
-      <p:nvGrpSpPr>
-        <p:cNvPr id="300" name="Shape 300"/>
-        <p:cNvGrpSpPr/>
-        <p:nvPr/>
-      </p:nvGrpSpPr>
-      <p:grpSpPr>
-        <a:xfrm>
-          <a:off x="0" y="0"/>
-          <a:ext cx="0" cy="0"/>
-          <a:chOff x="0" y="0"/>
-          <a:chExt cx="0" cy="0"/>
-        </a:xfrm>
-      </p:grpSpPr>
-      <p:sp>
-        <p:nvSpPr>
-          <p:cNvPr id="301" name="Google Shape;301;g4a43c9daff_1_30:notes"/>
-          <p:cNvSpPr/>
-          <p:nvPr>
-            <p:ph idx="2" type="sldImg"/>
-          </p:nvPr>
-        </p:nvSpPr>
-        <p:spPr>
-          <a:xfrm>
-            <a:off x="381300" y="685800"/>
-            <a:ext cx="6096000" cy="3429000"/>
-          </a:xfrm>
-          <a:custGeom>
-            <a:rect b="b" l="l" r="r" t="t"/>
-            <a:pathLst>
-              <a:path extrusionOk="0" h="120000" w="120000">
-                <a:moveTo>
-                  <a:pt x="0" y="0"/>
-                </a:moveTo>
-                <a:lnTo>
-                  <a:pt x="120000" y="0"/>
-                </a:lnTo>
-                <a:lnTo>
-                  <a:pt x="120000" y="120000"/>
-                </a:lnTo>
-                <a:lnTo>
-                  <a:pt x="0" y="120000"/>
-                </a:lnTo>
-                <a:close/>
-              </a:path>
-            </a:pathLst>
-          </a:custGeom>
-        </p:spPr>
-      </p:sp>
-      <p:sp>
-        <p:nvSpPr>
-          <p:cNvPr id="302" name="Google Shape;302;g4a43c9daff_1_30:notes"/>
-          <p:cNvSpPr txBox="1"/>
-          <p:nvPr>
-            <p:ph idx="1" type="body"/>
-          </p:nvPr>
-        </p:nvSpPr>
-        <p:spPr>
-          <a:xfrm>
-            <a:off x="685800" y="4343400"/>
-            <a:ext cx="5486400" cy="4114800"/>
-          </a:xfrm>
-          <a:prstGeom prst="rect">
-            <a:avLst/>
-          </a:prstGeom>
-        </p:spPr>
-        <p:txBody>
-          <a:bodyPr anchorCtr="0" anchor="t" bIns="91425" lIns="91425" spcFirstLastPara="1" rIns="91425" wrap="square" tIns="91425">
-            <a:noAutofit/>
-          </a:bodyPr>
-          <a:lstStyle/>
-          <a:p>
-            <a:pPr indent="0" lvl="0" marL="0" rtl="0" algn="l">
-              <a:spcBef>
-                <a:spcPts val="0"/>
-              </a:spcBef>
-              <a:spcAft>
-                <a:spcPts val="0"/>
-              </a:spcAft>
-              <a:buNone/>
-            </a:pPr>
-            <a:r>
-              <a:t/>
-            </a:r>
-            <a:endParaRPr/>
-          </a:p>
-        </p:txBody>
-      </p:sp>
-    </p:spTree>
-  </p:cSld>
-  <p:clrMapOvr>
-    <a:masterClrMapping/>
-  </p:clrMapOvr>
-</p:notes>
-</file>
-
-<file path=ppt/notesSlides/notesSlide6.xml><?xml version="1.0" encoding="utf-8"?>
-<p:notes xmlns:a="http://schemas.openxmlformats.org/drawingml/2006/main" xmlns:r="http://schemas.openxmlformats.org/officeDocument/2006/relationships" xmlns:mc="http://schemas.openxmlformats.org/markup-compatibility/2006" xmlns:mv="urn:schemas-microsoft-com:mac:vml" xmlns:p="http://schemas.openxmlformats.org/presentationml/2006/main" xmlns:c="http://schemas.openxmlformats.org/drawingml/2006/chart" xmlns:dgm="http://schemas.openxmlformats.org/drawingml/2006/diagram" xmlns:o="urn:schemas-microsoft-com:office:office" xmlns:v="urn:schemas-microsoft-com:vml" xmlns:pvml="urn:schemas-microsoft-com:office:powerpoint" xmlns:com="http://schemas.openxmlformats.org/drawingml/2006/compatibility" xmlns:p14="http://schemas.microsoft.com/office/powerpoint/2010/main" xmlns:p15="http://schemas.microsoft.com/office/powerpoint/2012/main" showMasterPhAnim="0" showMasterSp="0">
-  <p:cSld>
-    <p:spTree>
-      <p:nvGrpSpPr>
-        <p:cNvPr id="307" name="Shape 307"/>
-        <p:cNvGrpSpPr/>
-        <p:nvPr/>
-      </p:nvGrpSpPr>
-      <p:grpSpPr>
-        <a:xfrm>
-          <a:off x="0" y="0"/>
-          <a:ext cx="0" cy="0"/>
-          <a:chOff x="0" y="0"/>
-          <a:chExt cx="0" cy="0"/>
-        </a:xfrm>
-      </p:grpSpPr>
-      <p:sp>
-        <p:nvSpPr>
-          <p:cNvPr id="308" name="Google Shape;308;g4a43c9daff_1_36:notes"/>
-          <p:cNvSpPr/>
-          <p:nvPr>
-            <p:ph idx="2" type="sldImg"/>
-          </p:nvPr>
-        </p:nvSpPr>
-        <p:spPr>
-          <a:xfrm>
-            <a:off x="381300" y="685800"/>
-            <a:ext cx="6096000" cy="3429000"/>
-          </a:xfrm>
-          <a:custGeom>
-            <a:rect b="b" l="l" r="r" t="t"/>
-            <a:pathLst>
-              <a:path extrusionOk="0" h="120000" w="120000">
-                <a:moveTo>
-                  <a:pt x="0" y="0"/>
-                </a:moveTo>
-                <a:lnTo>
-                  <a:pt x="120000" y="0"/>
-                </a:lnTo>
-                <a:lnTo>
-                  <a:pt x="120000" y="120000"/>
-                </a:lnTo>
-                <a:lnTo>
-                  <a:pt x="0" y="120000"/>
-                </a:lnTo>
-                <a:close/>
-              </a:path>
-            </a:pathLst>
-          </a:custGeom>
-        </p:spPr>
-      </p:sp>
-      <p:sp>
-        <p:nvSpPr>
-          <p:cNvPr id="309" name="Google Shape;309;g4a43c9daff_1_36:notes"/>
-          <p:cNvSpPr txBox="1"/>
-          <p:nvPr>
-            <p:ph idx="1" type="body"/>
-          </p:nvPr>
-        </p:nvSpPr>
-        <p:spPr>
-          <a:xfrm>
-            <a:off x="685800" y="4343400"/>
-            <a:ext cx="5486400" cy="4114800"/>
-          </a:xfrm>
-          <a:prstGeom prst="rect">
-            <a:avLst/>
-          </a:prstGeom>
-        </p:spPr>
-        <p:txBody>
-          <a:bodyPr anchorCtr="0" anchor="t" bIns="91425" lIns="91425" spcFirstLastPara="1" rIns="91425" wrap="square" tIns="91425">
-            <a:noAutofit/>
-          </a:bodyPr>
-          <a:lstStyle/>
-          <a:p>
-            <a:pPr indent="0" lvl="0" marL="0" rtl="0" algn="l">
-              <a:spcBef>
-                <a:spcPts val="0"/>
-              </a:spcBef>
-              <a:spcAft>
-                <a:spcPts val="0"/>
-              </a:spcAft>
-              <a:buNone/>
-            </a:pPr>
-            <a:r>
-              <a:t/>
-            </a:r>
-            <a:endParaRPr/>
-          </a:p>
-        </p:txBody>
-      </p:sp>
-    </p:spTree>
-  </p:cSld>
-  <p:clrMapOvr>
-    <a:masterClrMapping/>
-  </p:clrMapOvr>
-</p:notes>
-</file>
-
-<file path=ppt/notesSlides/notesSlide7.xml><?xml version="1.0" encoding="utf-8"?>
-<p:notes xmlns:a="http://schemas.openxmlformats.org/drawingml/2006/main" xmlns:r="http://schemas.openxmlformats.org/officeDocument/2006/relationships" xmlns:mc="http://schemas.openxmlformats.org/markup-compatibility/2006" xmlns:mv="urn:schemas-microsoft-com:mac:vml" xmlns:p="http://schemas.openxmlformats.org/presentationml/2006/main" xmlns:c="http://schemas.openxmlformats.org/drawingml/2006/chart" xmlns:dgm="http://schemas.openxmlformats.org/drawingml/2006/diagram" xmlns:o="urn:schemas-microsoft-com:office:office" xmlns:v="urn:schemas-microsoft-com:vml" xmlns:pvml="urn:schemas-microsoft-com:office:powerpoint" xmlns:com="http://schemas.openxmlformats.org/drawingml/2006/compatibility" xmlns:p14="http://schemas.microsoft.com/office/powerpoint/2010/main" xmlns:p15="http://schemas.microsoft.com/office/powerpoint/2012/main" showMasterPhAnim="0" showMasterSp="0">
-  <p:cSld>
-    <p:spTree>
-      <p:nvGrpSpPr>
-        <p:cNvPr id="314" name="Shape 314"/>
-        <p:cNvGrpSpPr/>
-        <p:nvPr/>
-      </p:nvGrpSpPr>
-      <p:grpSpPr>
-        <a:xfrm>
-          <a:off x="0" y="0"/>
-          <a:ext cx="0" cy="0"/>
-          <a:chOff x="0" y="0"/>
-          <a:chExt cx="0" cy="0"/>
-        </a:xfrm>
-      </p:grpSpPr>
-      <p:sp>
-        <p:nvSpPr>
-          <p:cNvPr id="315" name="Google Shape;315;g4a43c9daff_1_25:notes"/>
-          <p:cNvSpPr/>
-          <p:nvPr>
-            <p:ph idx="2" type="sldImg"/>
-          </p:nvPr>
-        </p:nvSpPr>
-        <p:spPr>
-          <a:xfrm>
-            <a:off x="381300" y="685800"/>
-            <a:ext cx="6096000" cy="3429000"/>
-          </a:xfrm>
-          <a:custGeom>
-            <a:rect b="b" l="l" r="r" t="t"/>
-            <a:pathLst>
-              <a:path extrusionOk="0" h="120000" w="120000">
-                <a:moveTo>
-                  <a:pt x="0" y="0"/>
-                </a:moveTo>
-                <a:lnTo>
-                  <a:pt x="120000" y="0"/>
-                </a:lnTo>
-                <a:lnTo>
-                  <a:pt x="120000" y="120000"/>
-                </a:lnTo>
-                <a:lnTo>
-                  <a:pt x="0" y="120000"/>
-                </a:lnTo>
-                <a:close/>
-              </a:path>
-            </a:pathLst>
-          </a:custGeom>
-        </p:spPr>
-      </p:sp>
-      <p:sp>
-        <p:nvSpPr>
-          <p:cNvPr id="316" name="Google Shape;316;g4a43c9daff_1_25:notes"/>
-          <p:cNvSpPr txBox="1"/>
-          <p:nvPr>
-            <p:ph idx="1" type="body"/>
-          </p:nvPr>
-        </p:nvSpPr>
-        <p:spPr>
-          <a:xfrm>
-            <a:off x="685800" y="4343400"/>
-            <a:ext cx="5486400" cy="4114800"/>
-          </a:xfrm>
-          <a:prstGeom prst="rect">
-            <a:avLst/>
-          </a:prstGeom>
-        </p:spPr>
-        <p:txBody>
-          <a:bodyPr anchorCtr="0" anchor="t" bIns="91425" lIns="91425" spcFirstLastPara="1" rIns="91425" wrap="square" tIns="91425">
-            <a:noAutofit/>
-          </a:bodyPr>
-          <a:lstStyle/>
-          <a:p>
-            <a:pPr indent="0" lvl="0" marL="0" rtl="0" algn="l">
-              <a:spcBef>
-                <a:spcPts val="0"/>
-              </a:spcBef>
-              <a:spcAft>
-                <a:spcPts val="0"/>
-              </a:spcAft>
-              <a:buNone/>
-            </a:pPr>
-            <a:r>
-              <a:t/>
-            </a:r>
-            <a:endParaRPr/>
-          </a:p>
-        </p:txBody>
-      </p:sp>
-    </p:spTree>
-  </p:cSld>
-  <p:clrMapOvr>
-    <a:masterClrMapping/>
-  </p:clrMapOvr>
-</p:notes>
-</file>
-
-<file path=ppt/notesSlides/notesSlide8.xml><?xml version="1.0" encoding="utf-8"?>
-<p:notes xmlns:a="http://schemas.openxmlformats.org/drawingml/2006/main" xmlns:r="http://schemas.openxmlformats.org/officeDocument/2006/relationships" xmlns:mc="http://schemas.openxmlformats.org/markup-compatibility/2006" xmlns:mv="urn:schemas-microsoft-com:mac:vml" xmlns:p="http://schemas.openxmlformats.org/presentationml/2006/main" xmlns:c="http://schemas.openxmlformats.org/drawingml/2006/chart" xmlns:dgm="http://schemas.openxmlformats.org/drawingml/2006/diagram" xmlns:o="urn:schemas-microsoft-com:office:office" xmlns:v="urn:schemas-microsoft-com:vml" xmlns:pvml="urn:schemas-microsoft-com:office:powerpoint" xmlns:com="http://schemas.openxmlformats.org/drawingml/2006/compatibility" xmlns:p14="http://schemas.microsoft.com/office/powerpoint/2010/main" xmlns:p15="http://schemas.microsoft.com/office/powerpoint/2012/main" showMasterPhAnim="0" showMasterSp="0">
-  <p:cSld>
-    <p:spTree>
-      <p:nvGrpSpPr>
-        <p:cNvPr id="321" name="Shape 321"/>
-        <p:cNvGrpSpPr/>
-        <p:nvPr/>
-      </p:nvGrpSpPr>
-      <p:grpSpPr>
-        <a:xfrm>
-          <a:off x="0" y="0"/>
-          <a:ext cx="0" cy="0"/>
-          <a:chOff x="0" y="0"/>
-          <a:chExt cx="0" cy="0"/>
-        </a:xfrm>
-      </p:grpSpPr>
-      <p:sp>
-        <p:nvSpPr>
-          <p:cNvPr id="322" name="Google Shape;322;g4a43c9daff_1_48:notes"/>
-          <p:cNvSpPr/>
-          <p:nvPr>
-            <p:ph idx="2" type="sldImg"/>
-          </p:nvPr>
-        </p:nvSpPr>
-        <p:spPr>
-          <a:xfrm>
-            <a:off x="381300" y="685800"/>
-            <a:ext cx="6096000" cy="3429000"/>
-          </a:xfrm>
-          <a:custGeom>
-            <a:rect b="b" l="l" r="r" t="t"/>
-            <a:pathLst>
-              <a:path extrusionOk="0" h="120000" w="120000">
-                <a:moveTo>
-                  <a:pt x="0" y="0"/>
-                </a:moveTo>
-                <a:lnTo>
-                  <a:pt x="120000" y="0"/>
-                </a:lnTo>
-                <a:lnTo>
-                  <a:pt x="120000" y="120000"/>
-                </a:lnTo>
-                <a:lnTo>
-                  <a:pt x="0" y="120000"/>
-                </a:lnTo>
-                <a:close/>
-              </a:path>
-            </a:pathLst>
-          </a:custGeom>
-        </p:spPr>
-      </p:sp>
-      <p:sp>
-        <p:nvSpPr>
-          <p:cNvPr id="323" name="Google Shape;323;g4a43c9daff_1_48:notes"/>
-          <p:cNvSpPr txBox="1"/>
-          <p:nvPr>
-            <p:ph idx="1" type="body"/>
-          </p:nvPr>
-        </p:nvSpPr>
-        <p:spPr>
-          <a:xfrm>
-            <a:off x="685800" y="4343400"/>
-            <a:ext cx="5486400" cy="4114800"/>
-          </a:xfrm>
-          <a:prstGeom prst="rect">
-            <a:avLst/>
-          </a:prstGeom>
-        </p:spPr>
-        <p:txBody>
-          <a:bodyPr anchorCtr="0" anchor="t" bIns="91425" lIns="91425" spcFirstLastPara="1" rIns="91425" wrap="square" tIns="91425">
-            <a:noAutofit/>
-          </a:bodyPr>
-          <a:lstStyle/>
-          <a:p>
-            <a:pPr indent="0" lvl="0" marL="0" rtl="0" algn="l">
-              <a:spcBef>
-                <a:spcPts val="0"/>
-              </a:spcBef>
-              <a:spcAft>
-                <a:spcPts val="0"/>
-              </a:spcAft>
-              <a:buNone/>
-            </a:pPr>
-            <a:r>
-              <a:t/>
-            </a:r>
-            <a:endParaRPr/>
-          </a:p>
-        </p:txBody>
-      </p:sp>
-    </p:spTree>
-  </p:cSld>
-  <p:clrMapOvr>
-    <a:masterClrMapping/>
-  </p:clrMapOvr>
-</p:notes>
-</file>
-
-<file path=ppt/notesSlides/notesSlide9.xml><?xml version="1.0" encoding="utf-8"?>
-<p:notes xmlns:a="http://schemas.openxmlformats.org/drawingml/2006/main" xmlns:r="http://schemas.openxmlformats.org/officeDocument/2006/relationships" xmlns:mc="http://schemas.openxmlformats.org/markup-compatibility/2006" xmlns:mv="urn:schemas-microsoft-com:mac:vml" xmlns:p="http://schemas.openxmlformats.org/presentationml/2006/main" xmlns:c="http://schemas.openxmlformats.org/drawingml/2006/chart" xmlns:dgm="http://schemas.openxmlformats.org/drawingml/2006/diagram" xmlns:o="urn:schemas-microsoft-com:office:office" xmlns:v="urn:schemas-microsoft-com:vml" xmlns:pvml="urn:schemas-microsoft-com:office:powerpoint" xmlns:com="http://schemas.openxmlformats.org/drawingml/2006/compatibility" xmlns:p14="http://schemas.microsoft.com/office/powerpoint/2010/main" xmlns:p15="http://schemas.microsoft.com/office/powerpoint/2012/main" showMasterPhAnim="0" showMasterSp="0">
-  <p:cSld>
-    <p:spTree>
-      <p:nvGrpSpPr>
-        <p:cNvPr id="328" name="Shape 328"/>
-        <p:cNvGrpSpPr/>
-        <p:nvPr/>
-      </p:nvGrpSpPr>
-      <p:grpSpPr>
-        <a:xfrm>
-          <a:off x="0" y="0"/>
-          <a:ext cx="0" cy="0"/>
-          <a:chOff x="0" y="0"/>
-          <a:chExt cx="0" cy="0"/>
-        </a:xfrm>
-      </p:grpSpPr>
-      <p:sp>
-        <p:nvSpPr>
-          <p:cNvPr id="329" name="Google Shape;329;g4a43c9daff_1_54:notes"/>
-          <p:cNvSpPr/>
-          <p:nvPr>
-            <p:ph idx="2" type="sldImg"/>
-          </p:nvPr>
-        </p:nvSpPr>
-        <p:spPr>
-          <a:xfrm>
-            <a:off x="381300" y="685800"/>
-            <a:ext cx="6096000" cy="3429000"/>
-          </a:xfrm>
-          <a:custGeom>
-            <a:rect b="b" l="l" r="r" t="t"/>
-            <a:pathLst>
-              <a:path extrusionOk="0" h="120000" w="120000">
-                <a:moveTo>
-                  <a:pt x="0" y="0"/>
-                </a:moveTo>
-                <a:lnTo>
-                  <a:pt x="120000" y="0"/>
-                </a:lnTo>
-                <a:lnTo>
-                  <a:pt x="120000" y="120000"/>
-                </a:lnTo>
-                <a:lnTo>
-                  <a:pt x="0" y="120000"/>
-                </a:lnTo>
-                <a:close/>
-              </a:path>
-            </a:pathLst>
-          </a:custGeom>
-        </p:spPr>
-      </p:sp>
-      <p:sp>
-        <p:nvSpPr>
-          <p:cNvPr id="330" name="Google Shape;330;g4a43c9daff_1_54:notes"/>
+          <p:cNvPr id="313" name="Google Shape;313;g4be9d3e328_0_23:notes"/>
           <p:cNvSpPr txBox="1"/>
           <p:nvPr>
             <p:ph idx="1" type="body"/>
@@ -16217,480 +15717,6 @@
 </p:sld>
 </file>
 
-<file path=ppt/slides/slide10.xml><?xml version="1.0" encoding="utf-8"?>
-<p:sld xmlns:a="http://schemas.openxmlformats.org/drawingml/2006/main" xmlns:r="http://schemas.openxmlformats.org/officeDocument/2006/relationships" xmlns:mc="http://schemas.openxmlformats.org/markup-compatibility/2006" xmlns:mv="urn:schemas-microsoft-com:mac:vml" xmlns:p="http://schemas.openxmlformats.org/presentationml/2006/main" xmlns:c="http://schemas.openxmlformats.org/drawingml/2006/chart" xmlns:dgm="http://schemas.openxmlformats.org/drawingml/2006/diagram" xmlns:o="urn:schemas-microsoft-com:office:office" xmlns:v="urn:schemas-microsoft-com:vml" xmlns:pvml="urn:schemas-microsoft-com:office:powerpoint" xmlns:com="http://schemas.openxmlformats.org/drawingml/2006/compatibility" xmlns:p14="http://schemas.microsoft.com/office/powerpoint/2010/main" xmlns:p15="http://schemas.microsoft.com/office/powerpoint/2012/main">
-  <p:cSld>
-    <p:spTree>
-      <p:nvGrpSpPr>
-        <p:cNvPr id="338" name="Shape 338"/>
-        <p:cNvGrpSpPr/>
-        <p:nvPr/>
-      </p:nvGrpSpPr>
-      <p:grpSpPr>
-        <a:xfrm>
-          <a:off x="0" y="0"/>
-          <a:ext cx="0" cy="0"/>
-          <a:chOff x="0" y="0"/>
-          <a:chExt cx="0" cy="0"/>
-        </a:xfrm>
-      </p:grpSpPr>
-      <p:sp>
-        <p:nvSpPr>
-          <p:cNvPr id="339" name="Google Shape;339;p22"/>
-          <p:cNvSpPr txBox="1"/>
-          <p:nvPr>
-            <p:ph type="title"/>
-          </p:nvPr>
-        </p:nvSpPr>
-        <p:spPr>
-          <a:xfrm>
-            <a:off x="1303800" y="598575"/>
-            <a:ext cx="7030500" cy="999300"/>
-          </a:xfrm>
-          <a:prstGeom prst="rect">
-            <a:avLst/>
-          </a:prstGeom>
-        </p:spPr>
-        <p:txBody>
-          <a:bodyPr anchorCtr="0" anchor="t" bIns="91425" lIns="91425" spcFirstLastPara="1" rIns="91425" wrap="square" tIns="91425">
-            <a:noAutofit/>
-          </a:bodyPr>
-          <a:lstStyle/>
-          <a:p>
-            <a:pPr indent="0" lvl="0" marL="0" rtl="0" algn="l">
-              <a:spcBef>
-                <a:spcPts val="0"/>
-              </a:spcBef>
-              <a:spcAft>
-                <a:spcPts val="0"/>
-              </a:spcAft>
-              <a:buNone/>
-            </a:pPr>
-            <a:r>
-              <a:rPr lang="en"/>
-              <a:t>OLS Model	</a:t>
-            </a:r>
-            <a:endParaRPr/>
-          </a:p>
-        </p:txBody>
-      </p:sp>
-      <p:pic>
-        <p:nvPicPr>
-          <p:cNvPr id="340" name="Google Shape;340;p22"/>
-          <p:cNvPicPr preferRelativeResize="0"/>
-          <p:nvPr/>
-        </p:nvPicPr>
-        <p:blipFill>
-          <a:blip r:embed="rId3">
-            <a:alphaModFix/>
-          </a:blip>
-          <a:stretch>
-            <a:fillRect/>
-          </a:stretch>
-        </p:blipFill>
-        <p:spPr>
-          <a:xfrm>
-            <a:off x="3489831" y="0"/>
-            <a:ext cx="2658438" cy="5143499"/>
-          </a:xfrm>
-          <a:prstGeom prst="rect">
-            <a:avLst/>
-          </a:prstGeom>
-          <a:noFill/>
-          <a:ln>
-            <a:noFill/>
-          </a:ln>
-        </p:spPr>
-      </p:pic>
-    </p:spTree>
-  </p:cSld>
-  <p:clrMapOvr>
-    <a:masterClrMapping/>
-  </p:clrMapOvr>
-</p:sld>
-</file>
-
-<file path=ppt/slides/slide11.xml><?xml version="1.0" encoding="utf-8"?>
-<p:sld xmlns:a="http://schemas.openxmlformats.org/drawingml/2006/main" xmlns:r="http://schemas.openxmlformats.org/officeDocument/2006/relationships" xmlns:mc="http://schemas.openxmlformats.org/markup-compatibility/2006" xmlns:mv="urn:schemas-microsoft-com:mac:vml" xmlns:p="http://schemas.openxmlformats.org/presentationml/2006/main" xmlns:c="http://schemas.openxmlformats.org/drawingml/2006/chart" xmlns:dgm="http://schemas.openxmlformats.org/drawingml/2006/diagram" xmlns:o="urn:schemas-microsoft-com:office:office" xmlns:v="urn:schemas-microsoft-com:vml" xmlns:pvml="urn:schemas-microsoft-com:office:powerpoint" xmlns:com="http://schemas.openxmlformats.org/drawingml/2006/compatibility" xmlns:p14="http://schemas.microsoft.com/office/powerpoint/2010/main" xmlns:p15="http://schemas.microsoft.com/office/powerpoint/2012/main">
-  <p:cSld>
-    <p:spTree>
-      <p:nvGrpSpPr>
-        <p:cNvPr id="344" name="Shape 344"/>
-        <p:cNvGrpSpPr/>
-        <p:nvPr/>
-      </p:nvGrpSpPr>
-      <p:grpSpPr>
-        <a:xfrm>
-          <a:off x="0" y="0"/>
-          <a:ext cx="0" cy="0"/>
-          <a:chOff x="0" y="0"/>
-          <a:chExt cx="0" cy="0"/>
-        </a:xfrm>
-      </p:grpSpPr>
-      <p:sp>
-        <p:nvSpPr>
-          <p:cNvPr id="345" name="Google Shape;345;p23"/>
-          <p:cNvSpPr txBox="1"/>
-          <p:nvPr>
-            <p:ph type="title"/>
-          </p:nvPr>
-        </p:nvSpPr>
-        <p:spPr>
-          <a:xfrm>
-            <a:off x="1303800" y="598575"/>
-            <a:ext cx="7030500" cy="999300"/>
-          </a:xfrm>
-          <a:prstGeom prst="rect">
-            <a:avLst/>
-          </a:prstGeom>
-        </p:spPr>
-        <p:txBody>
-          <a:bodyPr anchorCtr="0" anchor="t" bIns="91425" lIns="91425" spcFirstLastPara="1" rIns="91425" wrap="square" tIns="91425">
-            <a:noAutofit/>
-          </a:bodyPr>
-          <a:lstStyle/>
-          <a:p>
-            <a:pPr indent="0" lvl="0" marL="0" rtl="0" algn="l">
-              <a:spcBef>
-                <a:spcPts val="0"/>
-              </a:spcBef>
-              <a:spcAft>
-                <a:spcPts val="0"/>
-              </a:spcAft>
-              <a:buNone/>
-            </a:pPr>
-            <a:r>
-              <a:rPr lang="en"/>
-              <a:t>OLS Models Cont.</a:t>
-            </a:r>
-            <a:endParaRPr/>
-          </a:p>
-        </p:txBody>
-      </p:sp>
-      <p:sp>
-        <p:nvSpPr>
-          <p:cNvPr id="346" name="Google Shape;346;p23"/>
-          <p:cNvSpPr txBox="1"/>
-          <p:nvPr>
-            <p:ph idx="1" type="body"/>
-          </p:nvPr>
-        </p:nvSpPr>
-        <p:spPr>
-          <a:xfrm>
-            <a:off x="1303800" y="1990050"/>
-            <a:ext cx="7030500" cy="2541600"/>
-          </a:xfrm>
-          <a:prstGeom prst="rect">
-            <a:avLst/>
-          </a:prstGeom>
-        </p:spPr>
-        <p:txBody>
-          <a:bodyPr anchorCtr="0" anchor="t" bIns="91425" lIns="91425" spcFirstLastPara="1" rIns="91425" wrap="square" tIns="91425">
-            <a:noAutofit/>
-          </a:bodyPr>
-          <a:lstStyle/>
-          <a:p>
-            <a:pPr indent="0" lvl="0" marL="0" rtl="0" algn="l">
-              <a:spcBef>
-                <a:spcPts val="0"/>
-              </a:spcBef>
-              <a:spcAft>
-                <a:spcPts val="0"/>
-              </a:spcAft>
-              <a:buNone/>
-            </a:pPr>
-            <a:r>
-              <a:rPr lang="en"/>
-              <a:t>Model 1 67.09: sqft_lot, sqft_above, sqft_basement, lat, floors, view</a:t>
-            </a:r>
-            <a:endParaRPr/>
-          </a:p>
-          <a:p>
-            <a:pPr indent="0" lvl="0" marL="0" rtl="0" algn="l">
-              <a:spcBef>
-                <a:spcPts val="1600"/>
-              </a:spcBef>
-              <a:spcAft>
-                <a:spcPts val="0"/>
-              </a:spcAft>
-              <a:buNone/>
-            </a:pPr>
-            <a:r>
-              <a:rPr lang="en"/>
-              <a:t>Model 2 62.45: </a:t>
-            </a:r>
-            <a:r>
-              <a:rPr lang="en"/>
-              <a:t>sqft_lot, sqft_above, sqft_basement, lat, sqft_grade</a:t>
-            </a:r>
-            <a:endParaRPr/>
-          </a:p>
-          <a:p>
-            <a:pPr indent="0" lvl="0" marL="0" rtl="0" algn="l">
-              <a:spcBef>
-                <a:spcPts val="1600"/>
-              </a:spcBef>
-              <a:spcAft>
-                <a:spcPts val="0"/>
-              </a:spcAft>
-              <a:buNone/>
-            </a:pPr>
-            <a:r>
-              <a:rPr lang="en"/>
-              <a:t>Model 3 56.39:  sqft_lot, sqft_above, sqft_basement, lat</a:t>
-            </a:r>
-            <a:endParaRPr/>
-          </a:p>
-          <a:p>
-            <a:pPr indent="0" lvl="0" marL="0" rtl="0" algn="l">
-              <a:spcBef>
-                <a:spcPts val="1600"/>
-              </a:spcBef>
-              <a:spcAft>
-                <a:spcPts val="1600"/>
-              </a:spcAft>
-              <a:buNone/>
-            </a:pPr>
-            <a:r>
-              <a:rPr lang="en"/>
-              <a:t>Model 4 46.72: sqft_lot, sqft_above, sqft_casement, lat</a:t>
-            </a:r>
-            <a:endParaRPr/>
-          </a:p>
-        </p:txBody>
-      </p:sp>
-    </p:spTree>
-  </p:cSld>
-  <p:clrMapOvr>
-    <a:masterClrMapping/>
-  </p:clrMapOvr>
-</p:sld>
-</file>
-
-<file path=ppt/slides/slide12.xml><?xml version="1.0" encoding="utf-8"?>
-<p:sld xmlns:a="http://schemas.openxmlformats.org/drawingml/2006/main" xmlns:r="http://schemas.openxmlformats.org/officeDocument/2006/relationships" xmlns:mc="http://schemas.openxmlformats.org/markup-compatibility/2006" xmlns:mv="urn:schemas-microsoft-com:mac:vml" xmlns:p="http://schemas.openxmlformats.org/presentationml/2006/main" xmlns:c="http://schemas.openxmlformats.org/drawingml/2006/chart" xmlns:dgm="http://schemas.openxmlformats.org/drawingml/2006/diagram" xmlns:o="urn:schemas-microsoft-com:office:office" xmlns:v="urn:schemas-microsoft-com:vml" xmlns:pvml="urn:schemas-microsoft-com:office:powerpoint" xmlns:com="http://schemas.openxmlformats.org/drawingml/2006/compatibility" xmlns:p14="http://schemas.microsoft.com/office/powerpoint/2010/main" xmlns:p15="http://schemas.microsoft.com/office/powerpoint/2012/main">
-  <p:cSld>
-    <p:spTree>
-      <p:nvGrpSpPr>
-        <p:cNvPr id="350" name="Shape 350"/>
-        <p:cNvGrpSpPr/>
-        <p:nvPr/>
-      </p:nvGrpSpPr>
-      <p:grpSpPr>
-        <a:xfrm>
-          <a:off x="0" y="0"/>
-          <a:ext cx="0" cy="0"/>
-          <a:chOff x="0" y="0"/>
-          <a:chExt cx="0" cy="0"/>
-        </a:xfrm>
-      </p:grpSpPr>
-      <p:sp>
-        <p:nvSpPr>
-          <p:cNvPr id="351" name="Google Shape;351;p24"/>
-          <p:cNvSpPr txBox="1"/>
-          <p:nvPr>
-            <p:ph type="title"/>
-          </p:nvPr>
-        </p:nvSpPr>
-        <p:spPr>
-          <a:xfrm>
-            <a:off x="1303800" y="598575"/>
-            <a:ext cx="7030500" cy="999300"/>
-          </a:xfrm>
-          <a:prstGeom prst="rect">
-            <a:avLst/>
-          </a:prstGeom>
-        </p:spPr>
-        <p:txBody>
-          <a:bodyPr anchorCtr="0" anchor="t" bIns="91425" lIns="91425" spcFirstLastPara="1" rIns="91425" wrap="square" tIns="91425">
-            <a:noAutofit/>
-          </a:bodyPr>
-          <a:lstStyle/>
-          <a:p>
-            <a:pPr indent="0" lvl="0" marL="0" rtl="0" algn="l">
-              <a:spcBef>
-                <a:spcPts val="0"/>
-              </a:spcBef>
-              <a:spcAft>
-                <a:spcPts val="0"/>
-              </a:spcAft>
-              <a:buNone/>
-            </a:pPr>
-            <a:r>
-              <a:rPr lang="en"/>
-              <a:t>Conclusion</a:t>
-            </a:r>
-            <a:endParaRPr/>
-          </a:p>
-        </p:txBody>
-      </p:sp>
-      <p:sp>
-        <p:nvSpPr>
-          <p:cNvPr id="352" name="Google Shape;352;p24"/>
-          <p:cNvSpPr txBox="1"/>
-          <p:nvPr>
-            <p:ph idx="1" type="body"/>
-          </p:nvPr>
-        </p:nvSpPr>
-        <p:spPr>
-          <a:xfrm>
-            <a:off x="1303800" y="1990050"/>
-            <a:ext cx="7030500" cy="2541600"/>
-          </a:xfrm>
-          <a:prstGeom prst="rect">
-            <a:avLst/>
-          </a:prstGeom>
-        </p:spPr>
-        <p:txBody>
-          <a:bodyPr anchorCtr="0" anchor="t" bIns="91425" lIns="91425" spcFirstLastPara="1" rIns="91425" wrap="square" tIns="91425">
-            <a:noAutofit/>
-          </a:bodyPr>
-          <a:lstStyle/>
-          <a:p>
-            <a:pPr indent="0" lvl="0" marL="0" rtl="0" algn="l">
-              <a:spcBef>
-                <a:spcPts val="0"/>
-              </a:spcBef>
-              <a:spcAft>
-                <a:spcPts val="0"/>
-              </a:spcAft>
-              <a:buNone/>
-            </a:pPr>
-            <a:r>
-              <a:rPr lang="en"/>
-              <a:t>The model that gave the best score was model 1 with a score of 67.05 with the following features</a:t>
-            </a:r>
-            <a:endParaRPr/>
-          </a:p>
-          <a:p>
-            <a:pPr indent="-311150" lvl="0" marL="457200" rtl="0" algn="l">
-              <a:spcBef>
-                <a:spcPts val="1600"/>
-              </a:spcBef>
-              <a:spcAft>
-                <a:spcPts val="0"/>
-              </a:spcAft>
-              <a:buSzPts val="1300"/>
-              <a:buChar char="●"/>
-            </a:pPr>
-            <a:r>
-              <a:rPr lang="en"/>
-              <a:t>Sqft_lot</a:t>
-            </a:r>
-            <a:endParaRPr/>
-          </a:p>
-          <a:p>
-            <a:pPr indent="-311150" lvl="0" marL="457200" rtl="0" algn="l">
-              <a:spcBef>
-                <a:spcPts val="0"/>
-              </a:spcBef>
-              <a:spcAft>
-                <a:spcPts val="0"/>
-              </a:spcAft>
-              <a:buSzPts val="1300"/>
-              <a:buChar char="●"/>
-            </a:pPr>
-            <a:r>
-              <a:rPr lang="en"/>
-              <a:t>Sqft_above</a:t>
-            </a:r>
-            <a:endParaRPr/>
-          </a:p>
-          <a:p>
-            <a:pPr indent="-311150" lvl="0" marL="457200" rtl="0" algn="l">
-              <a:spcBef>
-                <a:spcPts val="0"/>
-              </a:spcBef>
-              <a:spcAft>
-                <a:spcPts val="0"/>
-              </a:spcAft>
-              <a:buSzPts val="1300"/>
-              <a:buChar char="●"/>
-            </a:pPr>
-            <a:r>
-              <a:rPr lang="en"/>
-              <a:t>Sqft_basement</a:t>
-            </a:r>
-            <a:endParaRPr/>
-          </a:p>
-          <a:p>
-            <a:pPr indent="-311150" lvl="0" marL="457200" rtl="0" algn="l">
-              <a:spcBef>
-                <a:spcPts val="0"/>
-              </a:spcBef>
-              <a:spcAft>
-                <a:spcPts val="0"/>
-              </a:spcAft>
-              <a:buSzPts val="1300"/>
-              <a:buChar char="●"/>
-            </a:pPr>
-            <a:r>
-              <a:rPr lang="en"/>
-              <a:t>Lat</a:t>
-            </a:r>
-            <a:endParaRPr/>
-          </a:p>
-          <a:p>
-            <a:pPr indent="-311150" lvl="0" marL="457200" rtl="0" algn="l">
-              <a:spcBef>
-                <a:spcPts val="0"/>
-              </a:spcBef>
-              <a:spcAft>
-                <a:spcPts val="0"/>
-              </a:spcAft>
-              <a:buSzPts val="1300"/>
-              <a:buChar char="●"/>
-            </a:pPr>
-            <a:r>
-              <a:rPr lang="en"/>
-              <a:t>Sqft_grade</a:t>
-            </a:r>
-            <a:endParaRPr/>
-          </a:p>
-          <a:p>
-            <a:pPr indent="-311150" lvl="0" marL="457200" rtl="0" algn="l">
-              <a:spcBef>
-                <a:spcPts val="0"/>
-              </a:spcBef>
-              <a:spcAft>
-                <a:spcPts val="0"/>
-              </a:spcAft>
-              <a:buSzPts val="1300"/>
-              <a:buChar char="●"/>
-            </a:pPr>
-            <a:r>
-              <a:rPr lang="en"/>
-              <a:t>Floors</a:t>
-            </a:r>
-            <a:endParaRPr/>
-          </a:p>
-          <a:p>
-            <a:pPr indent="-311150" lvl="0" marL="457200" rtl="0" algn="l">
-              <a:spcBef>
-                <a:spcPts val="0"/>
-              </a:spcBef>
-              <a:spcAft>
-                <a:spcPts val="0"/>
-              </a:spcAft>
-              <a:buSzPts val="1300"/>
-              <a:buChar char="●"/>
-            </a:pPr>
-            <a:r>
-              <a:rPr lang="en"/>
-              <a:t>View</a:t>
-            </a:r>
-            <a:endParaRPr/>
-          </a:p>
-        </p:txBody>
-      </p:sp>
-    </p:spTree>
-  </p:cSld>
-  <p:clrMapOvr>
-    <a:masterClrMapping/>
-  </p:clrMapOvr>
-</p:sld>
-</file>
-
 <file path=ppt/slides/slide2.xml><?xml version="1.0" encoding="utf-8"?>
 <p:sld xmlns:a="http://schemas.openxmlformats.org/drawingml/2006/main" xmlns:r="http://schemas.openxmlformats.org/officeDocument/2006/relationships" xmlns:mc="http://schemas.openxmlformats.org/markup-compatibility/2006" xmlns:mv="urn:schemas-microsoft-com:mac:vml" xmlns:p="http://schemas.openxmlformats.org/presentationml/2006/main" xmlns:c="http://schemas.openxmlformats.org/drawingml/2006/chart" xmlns:dgm="http://schemas.openxmlformats.org/drawingml/2006/diagram" xmlns:o="urn:schemas-microsoft-com:office:office" xmlns:v="urn:schemas-microsoft-com:vml" xmlns:pvml="urn:schemas-microsoft-com:office:powerpoint" xmlns:com="http://schemas.openxmlformats.org/drawingml/2006/compatibility" xmlns:p14="http://schemas.microsoft.com/office/powerpoint/2010/main" xmlns:p15="http://schemas.microsoft.com/office/powerpoint/2012/main">
   <p:cSld>
@@ -16742,342 +15768,7 @@
             </a:pPr>
             <a:r>
               <a:rPr lang="en"/>
-              <a:t>OSEMN Method</a:t>
-            </a:r>
-            <a:endParaRPr/>
-          </a:p>
-        </p:txBody>
-      </p:sp>
-      <p:sp>
-        <p:nvSpPr>
-          <p:cNvPr id="284" name="Google Shape;284;p14"/>
-          <p:cNvSpPr txBox="1"/>
-          <p:nvPr>
-            <p:ph idx="1" type="body"/>
-          </p:nvPr>
-        </p:nvSpPr>
-        <p:spPr>
-          <a:xfrm>
-            <a:off x="1303800" y="1990050"/>
-            <a:ext cx="7030500" cy="2541600"/>
-          </a:xfrm>
-          <a:prstGeom prst="rect">
-            <a:avLst/>
-          </a:prstGeom>
-        </p:spPr>
-        <p:txBody>
-          <a:bodyPr anchorCtr="0" anchor="t" bIns="91425" lIns="91425" spcFirstLastPara="1" rIns="91425" wrap="square" tIns="91425">
-            <a:noAutofit/>
-          </a:bodyPr>
-          <a:lstStyle/>
-          <a:p>
-            <a:pPr indent="-381000" lvl="0" marL="457200" rtl="0" algn="l">
-              <a:spcBef>
-                <a:spcPts val="0"/>
-              </a:spcBef>
-              <a:spcAft>
-                <a:spcPts val="0"/>
-              </a:spcAft>
-              <a:buSzPts val="2400"/>
-              <a:buAutoNum type="arabicPeriod"/>
-            </a:pPr>
-            <a:r>
-              <a:rPr lang="en" sz="2400"/>
-              <a:t>Obtain</a:t>
-            </a:r>
-            <a:endParaRPr sz="2400"/>
-          </a:p>
-          <a:p>
-            <a:pPr indent="-381000" lvl="0" marL="457200" rtl="0" algn="l">
-              <a:spcBef>
-                <a:spcPts val="0"/>
-              </a:spcBef>
-              <a:spcAft>
-                <a:spcPts val="0"/>
-              </a:spcAft>
-              <a:buSzPts val="2400"/>
-              <a:buAutoNum type="arabicPeriod"/>
-            </a:pPr>
-            <a:r>
-              <a:rPr lang="en" sz="2400"/>
-              <a:t>Scrub</a:t>
-            </a:r>
-            <a:endParaRPr sz="2400"/>
-          </a:p>
-          <a:p>
-            <a:pPr indent="-381000" lvl="0" marL="457200" rtl="0" algn="l">
-              <a:spcBef>
-                <a:spcPts val="0"/>
-              </a:spcBef>
-              <a:spcAft>
-                <a:spcPts val="0"/>
-              </a:spcAft>
-              <a:buSzPts val="2400"/>
-              <a:buAutoNum type="arabicPeriod"/>
-            </a:pPr>
-            <a:r>
-              <a:rPr lang="en" sz="2400"/>
-              <a:t>Explore</a:t>
-            </a:r>
-            <a:endParaRPr sz="2400"/>
-          </a:p>
-          <a:p>
-            <a:pPr indent="-381000" lvl="0" marL="457200" rtl="0" algn="l">
-              <a:spcBef>
-                <a:spcPts val="0"/>
-              </a:spcBef>
-              <a:spcAft>
-                <a:spcPts val="0"/>
-              </a:spcAft>
-              <a:buSzPts val="2400"/>
-              <a:buAutoNum type="arabicPeriod"/>
-            </a:pPr>
-            <a:r>
-              <a:rPr lang="en" sz="2400"/>
-              <a:t>Model</a:t>
-            </a:r>
-            <a:endParaRPr sz="2400"/>
-          </a:p>
-          <a:p>
-            <a:pPr indent="-381000" lvl="0" marL="457200" rtl="0" algn="l">
-              <a:spcBef>
-                <a:spcPts val="0"/>
-              </a:spcBef>
-              <a:spcAft>
-                <a:spcPts val="0"/>
-              </a:spcAft>
-              <a:buSzPts val="2400"/>
-              <a:buAutoNum type="arabicPeriod"/>
-            </a:pPr>
-            <a:r>
-              <a:rPr lang="en" sz="2400"/>
-              <a:t>Interpret</a:t>
-            </a:r>
-            <a:endParaRPr sz="2400"/>
-          </a:p>
-        </p:txBody>
-      </p:sp>
-    </p:spTree>
-  </p:cSld>
-  <p:clrMapOvr>
-    <a:masterClrMapping/>
-  </p:clrMapOvr>
-</p:sld>
-</file>
-
-<file path=ppt/slides/slide3.xml><?xml version="1.0" encoding="utf-8"?>
-<p:sld xmlns:a="http://schemas.openxmlformats.org/drawingml/2006/main" xmlns:r="http://schemas.openxmlformats.org/officeDocument/2006/relationships" xmlns:mc="http://schemas.openxmlformats.org/markup-compatibility/2006" xmlns:mv="urn:schemas-microsoft-com:mac:vml" xmlns:p="http://schemas.openxmlformats.org/presentationml/2006/main" xmlns:c="http://schemas.openxmlformats.org/drawingml/2006/chart" xmlns:dgm="http://schemas.openxmlformats.org/drawingml/2006/diagram" xmlns:o="urn:schemas-microsoft-com:office:office" xmlns:v="urn:schemas-microsoft-com:vml" xmlns:pvml="urn:schemas-microsoft-com:office:powerpoint" xmlns:com="http://schemas.openxmlformats.org/drawingml/2006/compatibility" xmlns:p14="http://schemas.microsoft.com/office/powerpoint/2010/main" xmlns:p15="http://schemas.microsoft.com/office/powerpoint/2012/main">
-  <p:cSld>
-    <p:spTree>
-      <p:nvGrpSpPr>
-        <p:cNvPr id="288" name="Shape 288"/>
-        <p:cNvGrpSpPr/>
-        <p:nvPr/>
-      </p:nvGrpSpPr>
-      <p:grpSpPr>
-        <a:xfrm>
-          <a:off x="0" y="0"/>
-          <a:ext cx="0" cy="0"/>
-          <a:chOff x="0" y="0"/>
-          <a:chExt cx="0" cy="0"/>
-        </a:xfrm>
-      </p:grpSpPr>
-      <p:sp>
-        <p:nvSpPr>
-          <p:cNvPr id="289" name="Google Shape;289;p15"/>
-          <p:cNvSpPr txBox="1"/>
-          <p:nvPr>
-            <p:ph type="title"/>
-          </p:nvPr>
-        </p:nvSpPr>
-        <p:spPr>
-          <a:xfrm>
-            <a:off x="1303800" y="598575"/>
-            <a:ext cx="7030500" cy="999300"/>
-          </a:xfrm>
-          <a:prstGeom prst="rect">
-            <a:avLst/>
-          </a:prstGeom>
-        </p:spPr>
-        <p:txBody>
-          <a:bodyPr anchorCtr="0" anchor="t" bIns="91425" lIns="91425" spcFirstLastPara="1" rIns="91425" wrap="square" tIns="91425">
-            <a:noAutofit/>
-          </a:bodyPr>
-          <a:lstStyle/>
-          <a:p>
-            <a:pPr indent="0" lvl="0" marL="0" rtl="0" algn="l">
-              <a:spcBef>
-                <a:spcPts val="0"/>
-              </a:spcBef>
-              <a:spcAft>
-                <a:spcPts val="0"/>
-              </a:spcAft>
-              <a:buNone/>
-            </a:pPr>
-            <a:r>
-              <a:rPr lang="en"/>
-              <a:t>Scrub</a:t>
-            </a:r>
-            <a:endParaRPr/>
-          </a:p>
-        </p:txBody>
-      </p:sp>
-      <p:sp>
-        <p:nvSpPr>
-          <p:cNvPr id="290" name="Google Shape;290;p15"/>
-          <p:cNvSpPr txBox="1"/>
-          <p:nvPr>
-            <p:ph idx="1" type="body"/>
-          </p:nvPr>
-        </p:nvSpPr>
-        <p:spPr>
-          <a:xfrm>
-            <a:off x="5690225" y="1597875"/>
-            <a:ext cx="2760300" cy="999300"/>
-          </a:xfrm>
-          <a:prstGeom prst="rect">
-            <a:avLst/>
-          </a:prstGeom>
-        </p:spPr>
-        <p:txBody>
-          <a:bodyPr anchorCtr="0" anchor="t" bIns="91425" lIns="91425" spcFirstLastPara="1" rIns="91425" wrap="square" tIns="91425">
-            <a:noAutofit/>
-          </a:bodyPr>
-          <a:lstStyle/>
-          <a:p>
-            <a:pPr indent="0" lvl="0" marL="0" rtl="0" algn="l">
-              <a:spcBef>
-                <a:spcPts val="0"/>
-              </a:spcBef>
-              <a:spcAft>
-                <a:spcPts val="1600"/>
-              </a:spcAft>
-              <a:buNone/>
-            </a:pPr>
-            <a:r>
-              <a:rPr lang="en" sz="1800"/>
-              <a:t>Replaced NAN values and place holders with the median value </a:t>
-            </a:r>
-            <a:endParaRPr sz="1800"/>
-          </a:p>
-        </p:txBody>
-      </p:sp>
-      <p:pic>
-        <p:nvPicPr>
-          <p:cNvPr id="291" name="Google Shape;291;p15"/>
-          <p:cNvPicPr preferRelativeResize="0"/>
-          <p:nvPr/>
-        </p:nvPicPr>
-        <p:blipFill>
-          <a:blip r:embed="rId3">
-            <a:alphaModFix/>
-          </a:blip>
-          <a:stretch>
-            <a:fillRect/>
-          </a:stretch>
-        </p:blipFill>
-        <p:spPr>
-          <a:xfrm>
-            <a:off x="152400" y="1735150"/>
-            <a:ext cx="3301375" cy="3255950"/>
-          </a:xfrm>
-          <a:prstGeom prst="rect">
-            <a:avLst/>
-          </a:prstGeom>
-          <a:noFill/>
-          <a:ln>
-            <a:noFill/>
-          </a:ln>
-        </p:spPr>
-      </p:pic>
-      <p:pic>
-        <p:nvPicPr>
-          <p:cNvPr id="292" name="Google Shape;292;p15"/>
-          <p:cNvPicPr preferRelativeResize="0"/>
-          <p:nvPr/>
-        </p:nvPicPr>
-        <p:blipFill>
-          <a:blip r:embed="rId4">
-            <a:alphaModFix/>
-          </a:blip>
-          <a:stretch>
-            <a:fillRect/>
-          </a:stretch>
-        </p:blipFill>
-        <p:spPr>
-          <a:xfrm>
-            <a:off x="3706000" y="1597875"/>
-            <a:ext cx="1732011" cy="3240825"/>
-          </a:xfrm>
-          <a:prstGeom prst="rect">
-            <a:avLst/>
-          </a:prstGeom>
-          <a:noFill/>
-          <a:ln>
-            <a:noFill/>
-          </a:ln>
-        </p:spPr>
-      </p:pic>
-    </p:spTree>
-  </p:cSld>
-  <p:clrMapOvr>
-    <a:masterClrMapping/>
-  </p:clrMapOvr>
-</p:sld>
-</file>
-
-<file path=ppt/slides/slide4.xml><?xml version="1.0" encoding="utf-8"?>
-<p:sld xmlns:a="http://schemas.openxmlformats.org/drawingml/2006/main" xmlns:r="http://schemas.openxmlformats.org/officeDocument/2006/relationships" xmlns:mc="http://schemas.openxmlformats.org/markup-compatibility/2006" xmlns:mv="urn:schemas-microsoft-com:mac:vml" xmlns:p="http://schemas.openxmlformats.org/presentationml/2006/main" xmlns:c="http://schemas.openxmlformats.org/drawingml/2006/chart" xmlns:dgm="http://schemas.openxmlformats.org/drawingml/2006/diagram" xmlns:o="urn:schemas-microsoft-com:office:office" xmlns:v="urn:schemas-microsoft-com:vml" xmlns:pvml="urn:schemas-microsoft-com:office:powerpoint" xmlns:com="http://schemas.openxmlformats.org/drawingml/2006/compatibility" xmlns:p14="http://schemas.microsoft.com/office/powerpoint/2010/main" xmlns:p15="http://schemas.microsoft.com/office/powerpoint/2012/main">
-  <p:cSld>
-    <p:spTree>
-      <p:nvGrpSpPr>
-        <p:cNvPr id="296" name="Shape 296"/>
-        <p:cNvGrpSpPr/>
-        <p:nvPr/>
-      </p:nvGrpSpPr>
-      <p:grpSpPr>
-        <a:xfrm>
-          <a:off x="0" y="0"/>
-          <a:ext cx="0" cy="0"/>
-          <a:chOff x="0" y="0"/>
-          <a:chExt cx="0" cy="0"/>
-        </a:xfrm>
-      </p:grpSpPr>
-      <p:sp>
-        <p:nvSpPr>
-          <p:cNvPr id="297" name="Google Shape;297;p16"/>
-          <p:cNvSpPr txBox="1"/>
-          <p:nvPr>
-            <p:ph type="title"/>
-          </p:nvPr>
-        </p:nvSpPr>
-        <p:spPr>
-          <a:xfrm>
-            <a:off x="1303800" y="598575"/>
-            <a:ext cx="7030500" cy="999300"/>
-          </a:xfrm>
-          <a:prstGeom prst="rect">
-            <a:avLst/>
-          </a:prstGeom>
-        </p:spPr>
-        <p:txBody>
-          <a:bodyPr anchorCtr="0" anchor="t" bIns="91425" lIns="91425" spcFirstLastPara="1" rIns="91425" wrap="square" tIns="91425">
-            <a:noAutofit/>
-          </a:bodyPr>
-          <a:lstStyle/>
-          <a:p>
-            <a:pPr indent="0" lvl="0" marL="0" rtl="0" algn="l">
-              <a:spcBef>
-                <a:spcPts val="0"/>
-              </a:spcBef>
-              <a:spcAft>
-                <a:spcPts val="0"/>
-              </a:spcAft>
-              <a:buNone/>
-            </a:pPr>
-            <a:r>
-              <a:rPr lang="en"/>
-              <a:t>Explore</a:t>
+              <a:t>Housing Location</a:t>
             </a:r>
             <a:endParaRPr/>
           </a:p>
@@ -17085,7 +15776,7 @@
       </p:sp>
       <p:pic>
         <p:nvPicPr>
-          <p:cNvPr id="298" name="Google Shape;298;p16"/>
+          <p:cNvPr id="284" name="Google Shape;284;p14"/>
           <p:cNvPicPr preferRelativeResize="0"/>
           <p:nvPr/>
         </p:nvPicPr>
@@ -17113,7 +15804,7 @@
       </p:pic>
       <p:pic>
         <p:nvPicPr>
-          <p:cNvPr id="299" name="Google Shape;299;p16"/>
+          <p:cNvPr id="285" name="Google Shape;285;p14"/>
           <p:cNvPicPr preferRelativeResize="0"/>
           <p:nvPr/>
         </p:nvPicPr>
@@ -17147,12 +15838,12 @@
 </p:sld>
 </file>
 
-<file path=ppt/slides/slide5.xml><?xml version="1.0" encoding="utf-8"?>
+<file path=ppt/slides/slide3.xml><?xml version="1.0" encoding="utf-8"?>
 <p:sld xmlns:a="http://schemas.openxmlformats.org/drawingml/2006/main" xmlns:r="http://schemas.openxmlformats.org/officeDocument/2006/relationships" xmlns:mc="http://schemas.openxmlformats.org/markup-compatibility/2006" xmlns:mv="urn:schemas-microsoft-com:mac:vml" xmlns:p="http://schemas.openxmlformats.org/presentationml/2006/main" xmlns:c="http://schemas.openxmlformats.org/drawingml/2006/chart" xmlns:dgm="http://schemas.openxmlformats.org/drawingml/2006/diagram" xmlns:o="urn:schemas-microsoft-com:office:office" xmlns:v="urn:schemas-microsoft-com:vml" xmlns:pvml="urn:schemas-microsoft-com:office:powerpoint" xmlns:com="http://schemas.openxmlformats.org/drawingml/2006/compatibility" xmlns:p14="http://schemas.microsoft.com/office/powerpoint/2010/main" xmlns:p15="http://schemas.microsoft.com/office/powerpoint/2012/main">
   <p:cSld>
     <p:spTree>
       <p:nvGrpSpPr>
-        <p:cNvPr id="303" name="Shape 303"/>
+        <p:cNvPr id="289" name="Shape 289"/>
         <p:cNvGrpSpPr/>
         <p:nvPr/>
       </p:nvGrpSpPr>
@@ -17166,7 +15857,7 @@
       </p:grpSpPr>
       <p:sp>
         <p:nvSpPr>
-          <p:cNvPr id="304" name="Google Shape;304;p17"/>
+          <p:cNvPr id="290" name="Google Shape;290;p15"/>
           <p:cNvSpPr txBox="1"/>
           <p:nvPr>
             <p:ph type="title"/>
@@ -17198,7 +15889,7 @@
             </a:pPr>
             <a:r>
               <a:rPr lang="en"/>
-              <a:t>Explore Cont.</a:t>
+              <a:t>Key Drivers</a:t>
             </a:r>
             <a:endParaRPr/>
           </a:p>
@@ -17206,7 +15897,7 @@
       </p:sp>
       <p:sp>
         <p:nvSpPr>
-          <p:cNvPr id="305" name="Google Shape;305;p17"/>
+          <p:cNvPr id="291" name="Google Shape;291;p15"/>
           <p:cNvSpPr txBox="1"/>
           <p:nvPr>
             <p:ph idx="1" type="body"/>
@@ -17214,8 +15905,193 @@
         </p:nvSpPr>
         <p:spPr>
           <a:xfrm>
-            <a:off x="3865050" y="1488050"/>
-            <a:ext cx="3566100" cy="1583400"/>
+            <a:off x="1303800" y="1990050"/>
+            <a:ext cx="7030500" cy="2541600"/>
+          </a:xfrm>
+          <a:prstGeom prst="rect">
+            <a:avLst/>
+          </a:prstGeom>
+        </p:spPr>
+        <p:txBody>
+          <a:bodyPr anchorCtr="0" anchor="t" bIns="91425" lIns="91425" spcFirstLastPara="1" rIns="91425" wrap="square" tIns="91425">
+            <a:noAutofit/>
+          </a:bodyPr>
+          <a:lstStyle/>
+          <a:p>
+            <a:pPr indent="-311150" lvl="0" marL="457200" rtl="0" algn="l">
+              <a:spcBef>
+                <a:spcPts val="0"/>
+              </a:spcBef>
+              <a:spcAft>
+                <a:spcPts val="0"/>
+              </a:spcAft>
+              <a:buSzPts val="1300"/>
+              <a:buChar char="●"/>
+            </a:pPr>
+            <a:r>
+              <a:rPr lang="en"/>
+              <a:t>Square footage</a:t>
+            </a:r>
+            <a:endParaRPr/>
+          </a:p>
+          <a:p>
+            <a:pPr indent="-298450" lvl="1" marL="914400" rtl="0" algn="l">
+              <a:spcBef>
+                <a:spcPts val="0"/>
+              </a:spcBef>
+              <a:spcAft>
+                <a:spcPts val="0"/>
+              </a:spcAft>
+              <a:buSzPts val="1100"/>
+              <a:buChar char="○"/>
+            </a:pPr>
+            <a:r>
+              <a:rPr lang="en"/>
+              <a:t>Lot</a:t>
+            </a:r>
+            <a:endParaRPr/>
+          </a:p>
+          <a:p>
+            <a:pPr indent="-298450" lvl="1" marL="914400" rtl="0" algn="l">
+              <a:spcBef>
+                <a:spcPts val="0"/>
+              </a:spcBef>
+              <a:spcAft>
+                <a:spcPts val="0"/>
+              </a:spcAft>
+              <a:buSzPts val="1100"/>
+              <a:buChar char="○"/>
+            </a:pPr>
+            <a:r>
+              <a:rPr lang="en"/>
+              <a:t>House</a:t>
+            </a:r>
+            <a:endParaRPr/>
+          </a:p>
+          <a:p>
+            <a:pPr indent="-298450" lvl="1" marL="914400" rtl="0" algn="l">
+              <a:spcBef>
+                <a:spcPts val="0"/>
+              </a:spcBef>
+              <a:spcAft>
+                <a:spcPts val="0"/>
+              </a:spcAft>
+              <a:buSzPts val="1100"/>
+              <a:buChar char="○"/>
+            </a:pPr>
+            <a:r>
+              <a:rPr lang="en"/>
+              <a:t>Basement</a:t>
+            </a:r>
+            <a:endParaRPr/>
+          </a:p>
+          <a:p>
+            <a:pPr indent="-311150" lvl="0" marL="457200" rtl="0" algn="l">
+              <a:spcBef>
+                <a:spcPts val="0"/>
+              </a:spcBef>
+              <a:spcAft>
+                <a:spcPts val="0"/>
+              </a:spcAft>
+              <a:buSzPts val="1300"/>
+              <a:buChar char="●"/>
+            </a:pPr>
+            <a:r>
+              <a:rPr lang="en"/>
+              <a:t>Grade</a:t>
+            </a:r>
+            <a:endParaRPr/>
+          </a:p>
+          <a:p>
+            <a:pPr indent="-311150" lvl="0" marL="457200" rtl="0" algn="l">
+              <a:spcBef>
+                <a:spcPts val="0"/>
+              </a:spcBef>
+              <a:spcAft>
+                <a:spcPts val="0"/>
+              </a:spcAft>
+              <a:buSzPts val="1300"/>
+              <a:buChar char="●"/>
+            </a:pPr>
+            <a:r>
+              <a:rPr lang="en"/>
+              <a:t>Floors</a:t>
+            </a:r>
+            <a:endParaRPr/>
+          </a:p>
+          <a:p>
+            <a:pPr indent="-311150" lvl="0" marL="457200" rtl="0" algn="l">
+              <a:spcBef>
+                <a:spcPts val="0"/>
+              </a:spcBef>
+              <a:spcAft>
+                <a:spcPts val="0"/>
+              </a:spcAft>
+              <a:buSzPts val="1300"/>
+              <a:buChar char="●"/>
+            </a:pPr>
+            <a:r>
+              <a:rPr lang="en"/>
+              <a:t>Views</a:t>
+            </a:r>
+            <a:endParaRPr/>
+          </a:p>
+          <a:p>
+            <a:pPr indent="-311150" lvl="0" marL="457200" rtl="0" algn="l">
+              <a:spcBef>
+                <a:spcPts val="0"/>
+              </a:spcBef>
+              <a:spcAft>
+                <a:spcPts val="0"/>
+              </a:spcAft>
+              <a:buSzPts val="1300"/>
+              <a:buChar char="●"/>
+            </a:pPr>
+            <a:r>
+              <a:rPr lang="en"/>
+              <a:t>Latitude</a:t>
+            </a:r>
+            <a:endParaRPr/>
+          </a:p>
+        </p:txBody>
+      </p:sp>
+    </p:spTree>
+  </p:cSld>
+  <p:clrMapOvr>
+    <a:masterClrMapping/>
+  </p:clrMapOvr>
+</p:sld>
+</file>
+
+<file path=ppt/slides/slide4.xml><?xml version="1.0" encoding="utf-8"?>
+<p:sld xmlns:a="http://schemas.openxmlformats.org/drawingml/2006/main" xmlns:r="http://schemas.openxmlformats.org/officeDocument/2006/relationships" xmlns:mc="http://schemas.openxmlformats.org/markup-compatibility/2006" xmlns:mv="urn:schemas-microsoft-com:mac:vml" xmlns:p="http://schemas.openxmlformats.org/presentationml/2006/main" xmlns:c="http://schemas.openxmlformats.org/drawingml/2006/chart" xmlns:dgm="http://schemas.openxmlformats.org/drawingml/2006/diagram" xmlns:o="urn:schemas-microsoft-com:office:office" xmlns:v="urn:schemas-microsoft-com:vml" xmlns:pvml="urn:schemas-microsoft-com:office:powerpoint" xmlns:com="http://schemas.openxmlformats.org/drawingml/2006/compatibility" xmlns:p14="http://schemas.microsoft.com/office/powerpoint/2010/main" xmlns:p15="http://schemas.microsoft.com/office/powerpoint/2012/main">
+  <p:cSld>
+    <p:spTree>
+      <p:nvGrpSpPr>
+        <p:cNvPr id="295" name="Shape 295"/>
+        <p:cNvGrpSpPr/>
+        <p:nvPr/>
+      </p:nvGrpSpPr>
+      <p:grpSpPr>
+        <a:xfrm>
+          <a:off x="0" y="0"/>
+          <a:ext cx="0" cy="0"/>
+          <a:chOff x="0" y="0"/>
+          <a:chExt cx="0" cy="0"/>
+        </a:xfrm>
+      </p:grpSpPr>
+      <p:sp>
+        <p:nvSpPr>
+          <p:cNvPr id="296" name="Google Shape;296;p16"/>
+          <p:cNvSpPr txBox="1"/>
+          <p:nvPr>
+            <p:ph type="title"/>
+          </p:nvPr>
+        </p:nvSpPr>
+        <p:spPr>
+          <a:xfrm>
+            <a:off x="1303800" y="598575"/>
+            <a:ext cx="7030500" cy="999300"/>
           </a:xfrm>
           <a:prstGeom prst="rect">
             <a:avLst/>
@@ -17238,79 +16114,200 @@
             </a:pPr>
             <a:r>
               <a:rPr lang="en"/>
-              <a:t>Highly Correlated variables to price:</a:t>
+              <a:t>Value Added</a:t>
+            </a:r>
+            <a:endParaRPr/>
+          </a:p>
+        </p:txBody>
+      </p:sp>
+      <p:sp>
+        <p:nvSpPr>
+          <p:cNvPr id="297" name="Google Shape;297;p16"/>
+          <p:cNvSpPr txBox="1"/>
+          <p:nvPr>
+            <p:ph idx="1" type="body"/>
+          </p:nvPr>
+        </p:nvSpPr>
+        <p:spPr>
+          <a:xfrm>
+            <a:off x="1303800" y="1990050"/>
+            <a:ext cx="7030500" cy="2541600"/>
+          </a:xfrm>
+          <a:prstGeom prst="rect">
+            <a:avLst/>
+          </a:prstGeom>
+        </p:spPr>
+        <p:txBody>
+          <a:bodyPr anchorCtr="0" anchor="t" bIns="91425" lIns="91425" spcFirstLastPara="1" rIns="91425" wrap="square" tIns="91425">
+            <a:noAutofit/>
+          </a:bodyPr>
+          <a:lstStyle/>
+          <a:p>
+            <a:pPr indent="0" lvl="0" marL="0" rtl="0" algn="l">
+              <a:spcBef>
+                <a:spcPts val="0"/>
+              </a:spcBef>
+              <a:spcAft>
+                <a:spcPts val="0"/>
+              </a:spcAft>
+              <a:buNone/>
+            </a:pPr>
+            <a:r>
+              <a:rPr lang="en"/>
+              <a:t>Renovating the property by increasing square footage will have the most bang for your buck.</a:t>
             </a:r>
             <a:endParaRPr/>
           </a:p>
           <a:p>
-            <a:pPr indent="-311150" lvl="0" marL="457200" rtl="0" algn="l">
+            <a:pPr indent="0" lvl="0" marL="0" rtl="0" algn="l">
               <a:spcBef>
                 <a:spcPts val="1600"/>
               </a:spcBef>
               <a:spcAft>
                 <a:spcPts val="0"/>
               </a:spcAft>
-              <a:buSzPts val="1300"/>
-              <a:buChar char="●"/>
+              <a:buNone/>
             </a:pPr>
             <a:r>
               <a:rPr lang="en"/>
-              <a:t>s</a:t>
-            </a:r>
-            <a:r>
-              <a:rPr lang="en"/>
-              <a:t>qft</a:t>
+              <a:t>Example: If the lot size allows increase the square footage of the house by adding rooms (bedrooms or bathrooms)</a:t>
             </a:r>
             <a:endParaRPr/>
           </a:p>
           <a:p>
-            <a:pPr indent="-311150" lvl="0" marL="457200" rtl="0" algn="l">
-              <a:spcBef>
-                <a:spcPts val="0"/>
-              </a:spcBef>
-              <a:spcAft>
-                <a:spcPts val="0"/>
-              </a:spcAft>
-              <a:buSzPts val="1300"/>
-              <a:buChar char="●"/>
+            <a:pPr indent="0" lvl="0" marL="0" rtl="0" algn="l">
+              <a:spcBef>
+                <a:spcPts val="1600"/>
+              </a:spcBef>
+              <a:spcAft>
+                <a:spcPts val="1600"/>
+              </a:spcAft>
+              <a:buNone/>
             </a:pPr>
             <a:r>
               <a:rPr lang="en"/>
-              <a:t>Grade</a:t>
+              <a:t>Also by adding square footage to the property will increase the grade of the house by the county increasing value.</a:t>
+            </a:r>
+            <a:endParaRPr/>
+          </a:p>
+        </p:txBody>
+      </p:sp>
+    </p:spTree>
+  </p:cSld>
+  <p:clrMapOvr>
+    <a:masterClrMapping/>
+  </p:clrMapOvr>
+</p:sld>
+</file>
+
+<file path=ppt/slides/slide5.xml><?xml version="1.0" encoding="utf-8"?>
+<p:sld xmlns:a="http://schemas.openxmlformats.org/drawingml/2006/main" xmlns:r="http://schemas.openxmlformats.org/officeDocument/2006/relationships" xmlns:mc="http://schemas.openxmlformats.org/markup-compatibility/2006" xmlns:mv="urn:schemas-microsoft-com:mac:vml" xmlns:p="http://schemas.openxmlformats.org/presentationml/2006/main" xmlns:c="http://schemas.openxmlformats.org/drawingml/2006/chart" xmlns:dgm="http://schemas.openxmlformats.org/drawingml/2006/diagram" xmlns:o="urn:schemas-microsoft-com:office:office" xmlns:v="urn:schemas-microsoft-com:vml" xmlns:pvml="urn:schemas-microsoft-com:office:powerpoint" xmlns:com="http://schemas.openxmlformats.org/drawingml/2006/compatibility" xmlns:p14="http://schemas.microsoft.com/office/powerpoint/2010/main" xmlns:p15="http://schemas.microsoft.com/office/powerpoint/2012/main">
+  <p:cSld>
+    <p:spTree>
+      <p:nvGrpSpPr>
+        <p:cNvPr id="301" name="Shape 301"/>
+        <p:cNvGrpSpPr/>
+        <p:nvPr/>
+      </p:nvGrpSpPr>
+      <p:grpSpPr>
+        <a:xfrm>
+          <a:off x="0" y="0"/>
+          <a:ext cx="0" cy="0"/>
+          <a:chOff x="0" y="0"/>
+          <a:chExt cx="0" cy="0"/>
+        </a:xfrm>
+      </p:grpSpPr>
+      <p:sp>
+        <p:nvSpPr>
+          <p:cNvPr id="302" name="Google Shape;302;p17"/>
+          <p:cNvSpPr txBox="1"/>
+          <p:nvPr>
+            <p:ph type="title"/>
+          </p:nvPr>
+        </p:nvSpPr>
+        <p:spPr>
+          <a:xfrm>
+            <a:off x="1303800" y="598575"/>
+            <a:ext cx="7030500" cy="999300"/>
+          </a:xfrm>
+          <a:prstGeom prst="rect">
+            <a:avLst/>
+          </a:prstGeom>
+        </p:spPr>
+        <p:txBody>
+          <a:bodyPr anchorCtr="0" anchor="t" bIns="91425" lIns="91425" spcFirstLastPara="1" rIns="91425" wrap="square" tIns="91425">
+            <a:noAutofit/>
+          </a:bodyPr>
+          <a:lstStyle/>
+          <a:p>
+            <a:pPr indent="0" lvl="0" marL="0" rtl="0" algn="l">
+              <a:spcBef>
+                <a:spcPts val="0"/>
+              </a:spcBef>
+              <a:spcAft>
+                <a:spcPts val="0"/>
+              </a:spcAft>
+              <a:buNone/>
+            </a:pPr>
+            <a:r>
+              <a:rPr lang="en"/>
+              <a:t>Head South</a:t>
+            </a:r>
+            <a:endParaRPr/>
+          </a:p>
+        </p:txBody>
+      </p:sp>
+      <p:sp>
+        <p:nvSpPr>
+          <p:cNvPr id="303" name="Google Shape;303;p17"/>
+          <p:cNvSpPr txBox="1"/>
+          <p:nvPr>
+            <p:ph idx="1" type="body"/>
+          </p:nvPr>
+        </p:nvSpPr>
+        <p:spPr>
+          <a:xfrm>
+            <a:off x="1303800" y="1955250"/>
+            <a:ext cx="7030500" cy="2541600"/>
+          </a:xfrm>
+          <a:prstGeom prst="rect">
+            <a:avLst/>
+          </a:prstGeom>
+        </p:spPr>
+        <p:txBody>
+          <a:bodyPr anchorCtr="0" anchor="t" bIns="91425" lIns="91425" spcFirstLastPara="1" rIns="91425" wrap="square" tIns="91425">
+            <a:noAutofit/>
+          </a:bodyPr>
+          <a:lstStyle/>
+          <a:p>
+            <a:pPr indent="0" lvl="0" marL="0" rtl="0" algn="l">
+              <a:spcBef>
+                <a:spcPts val="0"/>
+              </a:spcBef>
+              <a:spcAft>
+                <a:spcPts val="0"/>
+              </a:spcAft>
+              <a:buNone/>
+            </a:pPr>
+            <a:r>
+              <a:rPr lang="en"/>
+              <a:t>Houses located further south are cheaper.</a:t>
             </a:r>
             <a:endParaRPr/>
           </a:p>
           <a:p>
-            <a:pPr indent="-311150" lvl="0" marL="457200" rtl="0" algn="l">
-              <a:spcBef>
-                <a:spcPts val="0"/>
-              </a:spcBef>
-              <a:spcAft>
-                <a:spcPts val="0"/>
-              </a:spcAft>
-              <a:buSzPts val="1300"/>
-              <a:buChar char="●"/>
+            <a:pPr indent="0" lvl="0" marL="0" rtl="0" algn="l">
+              <a:spcBef>
+                <a:spcPts val="1600"/>
+              </a:spcBef>
+              <a:spcAft>
+                <a:spcPts val="1600"/>
+              </a:spcAft>
+              <a:buNone/>
             </a:pPr>
             <a:r>
               <a:rPr lang="en"/>
-              <a:t>Bathrooms</a:t>
-            </a:r>
-            <a:endParaRPr/>
-          </a:p>
-          <a:p>
-            <a:pPr indent="-311150" lvl="0" marL="457200" rtl="0" algn="l">
-              <a:spcBef>
-                <a:spcPts val="0"/>
-              </a:spcBef>
-              <a:spcAft>
-                <a:spcPts val="0"/>
-              </a:spcAft>
-              <a:buSzPts val="1300"/>
-              <a:buChar char="●"/>
-            </a:pPr>
-            <a:r>
-              <a:rPr lang="en"/>
-              <a:t>Bed &amp; bath combined</a:t>
+              <a:t>Renovating houses in the southern area of King’s County is a good investment opportunity.</a:t>
             </a:r>
             <a:endParaRPr/>
           </a:p>
@@ -17318,7 +16315,7 @@
       </p:sp>
       <p:pic>
         <p:nvPicPr>
-          <p:cNvPr id="306" name="Google Shape;306;p17"/>
+          <p:cNvPr id="304" name="Google Shape;304;p17"/>
           <p:cNvPicPr preferRelativeResize="0"/>
           <p:nvPr/>
         </p:nvPicPr>
@@ -17332,8 +16329,8 @@
         </p:blipFill>
         <p:spPr>
           <a:xfrm>
-            <a:off x="1303800" y="1488052"/>
-            <a:ext cx="1856086" cy="3545600"/>
+            <a:off x="3238226" y="2889325"/>
+            <a:ext cx="2667551" cy="1773924"/>
           </a:xfrm>
           <a:prstGeom prst="rect">
             <a:avLst/>
@@ -17357,7 +16354,7 @@
   <p:cSld>
     <p:spTree>
       <p:nvGrpSpPr>
-        <p:cNvPr id="310" name="Shape 310"/>
+        <p:cNvPr id="308" name="Shape 308"/>
         <p:cNvGrpSpPr/>
         <p:nvPr/>
       </p:nvGrpSpPr>
@@ -17371,7 +16368,7 @@
       </p:grpSpPr>
       <p:sp>
         <p:nvSpPr>
-          <p:cNvPr id="311" name="Google Shape;311;p18"/>
+          <p:cNvPr id="309" name="Google Shape;309;p18"/>
           <p:cNvSpPr txBox="1"/>
           <p:nvPr>
             <p:ph type="title"/>
@@ -17403,7 +16400,7 @@
             </a:pPr>
             <a:r>
               <a:rPr lang="en"/>
-              <a:t>Multicollinearity</a:t>
+              <a:t>Marketing</a:t>
             </a:r>
             <a:endParaRPr/>
           </a:p>
@@ -17411,7 +16408,7 @@
       </p:sp>
       <p:sp>
         <p:nvSpPr>
-          <p:cNvPr id="312" name="Google Shape;312;p18"/>
+          <p:cNvPr id="310" name="Google Shape;310;p18"/>
           <p:cNvSpPr txBox="1"/>
           <p:nvPr>
             <p:ph idx="1" type="body"/>
@@ -17419,8 +16416,8 @@
         </p:nvSpPr>
         <p:spPr>
           <a:xfrm>
-            <a:off x="4855075" y="1597875"/>
-            <a:ext cx="3722700" cy="2541600"/>
+            <a:off x="1303800" y="1990050"/>
+            <a:ext cx="7030500" cy="2541600"/>
           </a:xfrm>
           <a:prstGeom prst="rect">
             <a:avLst/>
@@ -17432,51 +16429,24 @@
           </a:bodyPr>
           <a:lstStyle/>
           <a:p>
-            <a:pPr indent="0" lvl="0" marL="0" rtl="0" algn="l">
-              <a:spcBef>
-                <a:spcPts val="0"/>
-              </a:spcBef>
-              <a:spcAft>
-                <a:spcPts val="1600"/>
-              </a:spcAft>
-              <a:buNone/>
+            <a:pPr indent="-311150" lvl="0" marL="457200" rtl="0" algn="l">
+              <a:spcBef>
+                <a:spcPts val="0"/>
+              </a:spcBef>
+              <a:spcAft>
+                <a:spcPts val="0"/>
+              </a:spcAft>
+              <a:buSzPts val="1300"/>
+              <a:buChar char="●"/>
             </a:pPr>
             <a:r>
               <a:rPr lang="en"/>
-              <a:t>The features with a high correlation with each other greater than 0.75.</a:t>
+              <a:t>Get word of out that the property is for sale. The more views the more bids on the house.</a:t>
             </a:r>
             <a:endParaRPr/>
           </a:p>
         </p:txBody>
       </p:sp>
-      <p:pic>
-        <p:nvPicPr>
-          <p:cNvPr id="313" name="Google Shape;313;p18"/>
-          <p:cNvPicPr preferRelativeResize="0"/>
-          <p:nvPr/>
-        </p:nvPicPr>
-        <p:blipFill>
-          <a:blip r:embed="rId3">
-            <a:alphaModFix/>
-          </a:blip>
-          <a:stretch>
-            <a:fillRect/>
-          </a:stretch>
-        </p:blipFill>
-        <p:spPr>
-          <a:xfrm>
-            <a:off x="1303800" y="1597875"/>
-            <a:ext cx="3172453" cy="3240825"/>
-          </a:xfrm>
-          <a:prstGeom prst="rect">
-            <a:avLst/>
-          </a:prstGeom>
-          <a:noFill/>
-          <a:ln>
-            <a:noFill/>
-          </a:ln>
-        </p:spPr>
-      </p:pic>
     </p:spTree>
   </p:cSld>
   <p:clrMapOvr>
@@ -17490,7 +16460,7 @@
   <p:cSld>
     <p:spTree>
       <p:nvGrpSpPr>
-        <p:cNvPr id="317" name="Shape 317"/>
+        <p:cNvPr id="314" name="Shape 314"/>
         <p:cNvGrpSpPr/>
         <p:nvPr/>
       </p:nvGrpSpPr>
@@ -17504,7 +16474,7 @@
       </p:grpSpPr>
       <p:sp>
         <p:nvSpPr>
-          <p:cNvPr id="318" name="Google Shape;318;p19"/>
+          <p:cNvPr id="315" name="Google Shape;315;p19"/>
           <p:cNvSpPr txBox="1"/>
           <p:nvPr>
             <p:ph type="title"/>
@@ -17536,7 +16506,7 @@
             </a:pPr>
             <a:r>
               <a:rPr lang="en"/>
-              <a:t>Feature Selection/Engineering</a:t>
+              <a:t>Key Takeaways</a:t>
             </a:r>
             <a:endParaRPr/>
           </a:p>
@@ -17544,148 +16514,7 @@
       </p:sp>
       <p:sp>
         <p:nvSpPr>
-          <p:cNvPr id="319" name="Google Shape;319;p19"/>
-          <p:cNvSpPr txBox="1"/>
-          <p:nvPr>
-            <p:ph idx="1" type="body"/>
-          </p:nvPr>
-        </p:nvSpPr>
-        <p:spPr>
-          <a:xfrm>
-            <a:off x="1303800" y="1990050"/>
-            <a:ext cx="7030500" cy="770100"/>
-          </a:xfrm>
-          <a:prstGeom prst="rect">
-            <a:avLst/>
-          </a:prstGeom>
-        </p:spPr>
-        <p:txBody>
-          <a:bodyPr anchorCtr="0" anchor="t" bIns="91425" lIns="91425" spcFirstLastPara="1" rIns="91425" wrap="square" tIns="91425">
-            <a:noAutofit/>
-          </a:bodyPr>
-          <a:lstStyle/>
-          <a:p>
-            <a:pPr indent="0" lvl="0" marL="0" rtl="0" algn="l">
-              <a:spcBef>
-                <a:spcPts val="0"/>
-              </a:spcBef>
-              <a:spcAft>
-                <a:spcPts val="1600"/>
-              </a:spcAft>
-              <a:buNone/>
-            </a:pPr>
-            <a:r>
-              <a:rPr lang="en"/>
-              <a:t>Combined sqft_living and grade to </a:t>
-            </a:r>
-            <a:r>
-              <a:rPr lang="en"/>
-              <a:t>form</a:t>
-            </a:r>
-            <a:r>
-              <a:rPr lang="en"/>
-              <a:t> sqft_grade which shows the points assigned per sqft.</a:t>
-            </a:r>
-            <a:endParaRPr/>
-          </a:p>
-        </p:txBody>
-      </p:sp>
-      <p:pic>
-        <p:nvPicPr>
-          <p:cNvPr id="320" name="Google Shape;320;p19"/>
-          <p:cNvPicPr preferRelativeResize="0"/>
-          <p:nvPr/>
-        </p:nvPicPr>
-        <p:blipFill>
-          <a:blip r:embed="rId3">
-            <a:alphaModFix/>
-          </a:blip>
-          <a:stretch>
-            <a:fillRect/>
-          </a:stretch>
-        </p:blipFill>
-        <p:spPr>
-          <a:xfrm>
-            <a:off x="2352675" y="2760150"/>
-            <a:ext cx="4438650" cy="333375"/>
-          </a:xfrm>
-          <a:prstGeom prst="rect">
-            <a:avLst/>
-          </a:prstGeom>
-          <a:noFill/>
-          <a:ln>
-            <a:noFill/>
-          </a:ln>
-        </p:spPr>
-      </p:pic>
-    </p:spTree>
-  </p:cSld>
-  <p:clrMapOvr>
-    <a:masterClrMapping/>
-  </p:clrMapOvr>
-</p:sld>
-</file>
-
-<file path=ppt/slides/slide8.xml><?xml version="1.0" encoding="utf-8"?>
-<p:sld xmlns:a="http://schemas.openxmlformats.org/drawingml/2006/main" xmlns:r="http://schemas.openxmlformats.org/officeDocument/2006/relationships" xmlns:mc="http://schemas.openxmlformats.org/markup-compatibility/2006" xmlns:mv="urn:schemas-microsoft-com:mac:vml" xmlns:p="http://schemas.openxmlformats.org/presentationml/2006/main" xmlns:c="http://schemas.openxmlformats.org/drawingml/2006/chart" xmlns:dgm="http://schemas.openxmlformats.org/drawingml/2006/diagram" xmlns:o="urn:schemas-microsoft-com:office:office" xmlns:v="urn:schemas-microsoft-com:vml" xmlns:pvml="urn:schemas-microsoft-com:office:powerpoint" xmlns:com="http://schemas.openxmlformats.org/drawingml/2006/compatibility" xmlns:p14="http://schemas.microsoft.com/office/powerpoint/2010/main" xmlns:p15="http://schemas.microsoft.com/office/powerpoint/2012/main">
-  <p:cSld>
-    <p:spTree>
-      <p:nvGrpSpPr>
-        <p:cNvPr id="324" name="Shape 324"/>
-        <p:cNvGrpSpPr/>
-        <p:nvPr/>
-      </p:nvGrpSpPr>
-      <p:grpSpPr>
-        <a:xfrm>
-          <a:off x="0" y="0"/>
-          <a:ext cx="0" cy="0"/>
-          <a:chOff x="0" y="0"/>
-          <a:chExt cx="0" cy="0"/>
-        </a:xfrm>
-      </p:grpSpPr>
-      <p:sp>
-        <p:nvSpPr>
-          <p:cNvPr id="325" name="Google Shape;325;p20"/>
-          <p:cNvSpPr txBox="1"/>
-          <p:nvPr>
-            <p:ph type="title"/>
-          </p:nvPr>
-        </p:nvSpPr>
-        <p:spPr>
-          <a:xfrm>
-            <a:off x="1303800" y="598575"/>
-            <a:ext cx="7030500" cy="999300"/>
-          </a:xfrm>
-          <a:prstGeom prst="rect">
-            <a:avLst/>
-          </a:prstGeom>
-        </p:spPr>
-        <p:txBody>
-          <a:bodyPr anchorCtr="0" anchor="t" bIns="91425" lIns="91425" spcFirstLastPara="1" rIns="91425" wrap="square" tIns="91425">
-            <a:noAutofit/>
-          </a:bodyPr>
-          <a:lstStyle/>
-          <a:p>
-            <a:pPr indent="0" lvl="0" marL="0" rtl="0" algn="l">
-              <a:spcBef>
-                <a:spcPts val="0"/>
-              </a:spcBef>
-              <a:spcAft>
-                <a:spcPts val="0"/>
-              </a:spcAft>
-              <a:buNone/>
-            </a:pPr>
-            <a:r>
-              <a:rPr lang="en"/>
-              <a:t>Scaling and Standardization</a:t>
-            </a:r>
-            <a:endParaRPr/>
-          </a:p>
-        </p:txBody>
-      </p:sp>
-      <p:sp>
-        <p:nvSpPr>
-          <p:cNvPr id="326" name="Google Shape;326;p20"/>
+          <p:cNvPr id="316" name="Google Shape;316;p19"/>
           <p:cNvSpPr txBox="1"/>
           <p:nvPr>
             <p:ph idx="1" type="body"/>
@@ -17718,7 +16547,24 @@
             </a:pPr>
             <a:r>
               <a:rPr lang="en"/>
-              <a:t>Features were scaled to prevent higher valued features such as sqft_living from overtaking sqft_grade.</a:t>
+              <a:t>Increase square footage</a:t>
+            </a:r>
+            <a:endParaRPr/>
+          </a:p>
+          <a:p>
+            <a:pPr indent="-298450" lvl="1" marL="914400" rtl="0" algn="l">
+              <a:spcBef>
+                <a:spcPts val="0"/>
+              </a:spcBef>
+              <a:spcAft>
+                <a:spcPts val="0"/>
+              </a:spcAft>
+              <a:buSzPts val="1100"/>
+              <a:buChar char="○"/>
+            </a:pPr>
+            <a:r>
+              <a:rPr lang="en"/>
+              <a:t>Increases the grade by the county</a:t>
             </a:r>
             <a:endParaRPr/>
           </a:p>
@@ -17735,127 +16581,10 @@
             </a:pPr>
             <a:r>
               <a:rPr lang="en"/>
-              <a:t>Features were normalized to closely represent a normal distribution</a:t>
+              <a:t>Southern King’s County is cheaper</a:t>
             </a:r>
             <a:endParaRPr/>
           </a:p>
-        </p:txBody>
-      </p:sp>
-      <p:pic>
-        <p:nvPicPr>
-          <p:cNvPr id="327" name="Google Shape;327;p20"/>
-          <p:cNvPicPr preferRelativeResize="0"/>
-          <p:nvPr/>
-        </p:nvPicPr>
-        <p:blipFill>
-          <a:blip r:embed="rId3">
-            <a:alphaModFix/>
-          </a:blip>
-          <a:stretch>
-            <a:fillRect/>
-          </a:stretch>
-        </p:blipFill>
-        <p:spPr>
-          <a:xfrm>
-            <a:off x="2786050" y="2943213"/>
-            <a:ext cx="3571875" cy="2200275"/>
-          </a:xfrm>
-          <a:prstGeom prst="rect">
-            <a:avLst/>
-          </a:prstGeom>
-          <a:noFill/>
-          <a:ln>
-            <a:noFill/>
-          </a:ln>
-        </p:spPr>
-      </p:pic>
-    </p:spTree>
-  </p:cSld>
-  <p:clrMapOvr>
-    <a:masterClrMapping/>
-  </p:clrMapOvr>
-</p:sld>
-</file>
-
-<file path=ppt/slides/slide9.xml><?xml version="1.0" encoding="utf-8"?>
-<p:sld xmlns:a="http://schemas.openxmlformats.org/drawingml/2006/main" xmlns:r="http://schemas.openxmlformats.org/officeDocument/2006/relationships" xmlns:mc="http://schemas.openxmlformats.org/markup-compatibility/2006" xmlns:mv="urn:schemas-microsoft-com:mac:vml" xmlns:p="http://schemas.openxmlformats.org/presentationml/2006/main" xmlns:c="http://schemas.openxmlformats.org/drawingml/2006/chart" xmlns:dgm="http://schemas.openxmlformats.org/drawingml/2006/diagram" xmlns:o="urn:schemas-microsoft-com:office:office" xmlns:v="urn:schemas-microsoft-com:vml" xmlns:pvml="urn:schemas-microsoft-com:office:powerpoint" xmlns:com="http://schemas.openxmlformats.org/drawingml/2006/compatibility" xmlns:p14="http://schemas.microsoft.com/office/powerpoint/2010/main" xmlns:p15="http://schemas.microsoft.com/office/powerpoint/2012/main">
-  <p:cSld>
-    <p:spTree>
-      <p:nvGrpSpPr>
-        <p:cNvPr id="331" name="Shape 331"/>
-        <p:cNvGrpSpPr/>
-        <p:nvPr/>
-      </p:nvGrpSpPr>
-      <p:grpSpPr>
-        <a:xfrm>
-          <a:off x="0" y="0"/>
-          <a:ext cx="0" cy="0"/>
-          <a:chOff x="0" y="0"/>
-          <a:chExt cx="0" cy="0"/>
-        </a:xfrm>
-      </p:grpSpPr>
-      <p:sp>
-        <p:nvSpPr>
-          <p:cNvPr id="332" name="Google Shape;332;p21"/>
-          <p:cNvSpPr txBox="1"/>
-          <p:nvPr>
-            <p:ph type="title"/>
-          </p:nvPr>
-        </p:nvSpPr>
-        <p:spPr>
-          <a:xfrm>
-            <a:off x="1303800" y="598575"/>
-            <a:ext cx="7030500" cy="999300"/>
-          </a:xfrm>
-          <a:prstGeom prst="rect">
-            <a:avLst/>
-          </a:prstGeom>
-        </p:spPr>
-        <p:txBody>
-          <a:bodyPr anchorCtr="0" anchor="t" bIns="91425" lIns="91425" spcFirstLastPara="1" rIns="91425" wrap="square" tIns="91425">
-            <a:noAutofit/>
-          </a:bodyPr>
-          <a:lstStyle/>
-          <a:p>
-            <a:pPr indent="0" lvl="0" marL="0" rtl="0" algn="l">
-              <a:spcBef>
-                <a:spcPts val="0"/>
-              </a:spcBef>
-              <a:spcAft>
-                <a:spcPts val="0"/>
-              </a:spcAft>
-              <a:buNone/>
-            </a:pPr>
-            <a:r>
-              <a:rPr lang="en"/>
-              <a:t>Modeling</a:t>
-            </a:r>
-            <a:endParaRPr/>
-          </a:p>
-        </p:txBody>
-      </p:sp>
-      <p:sp>
-        <p:nvSpPr>
-          <p:cNvPr id="333" name="Google Shape;333;p21"/>
-          <p:cNvSpPr txBox="1"/>
-          <p:nvPr>
-            <p:ph idx="1" type="body"/>
-          </p:nvPr>
-        </p:nvSpPr>
-        <p:spPr>
-          <a:xfrm>
-            <a:off x="1303800" y="1990050"/>
-            <a:ext cx="3013500" cy="2615400"/>
-          </a:xfrm>
-          <a:prstGeom prst="rect">
-            <a:avLst/>
-          </a:prstGeom>
-        </p:spPr>
-        <p:txBody>
-          <a:bodyPr anchorCtr="0" anchor="t" bIns="91425" lIns="91425" spcFirstLastPara="1" rIns="91425" wrap="square" tIns="91425">
-            <a:noAutofit/>
-          </a:bodyPr>
-          <a:lstStyle/>
           <a:p>
             <a:pPr indent="-311150" lvl="0" marL="457200" rtl="0" algn="l">
               <a:spcBef>
@@ -17869,153 +16598,9 @@
             </a:pPr>
             <a:r>
               <a:rPr lang="en"/>
-              <a:t>Formed train/test splits for model testing using 20% as training data</a:t>
+              <a:t>Let the property be known</a:t>
             </a:r>
             <a:endParaRPr/>
-          </a:p>
-        </p:txBody>
-      </p:sp>
-      <p:sp>
-        <p:nvSpPr>
-          <p:cNvPr id="334" name="Google Shape;334;p21"/>
-          <p:cNvSpPr txBox="1"/>
-          <p:nvPr/>
-        </p:nvSpPr>
-        <p:spPr>
-          <a:xfrm>
-            <a:off x="4798500" y="1768950"/>
-            <a:ext cx="3241500" cy="3057600"/>
-          </a:xfrm>
-          <a:prstGeom prst="rect">
-            <a:avLst/>
-          </a:prstGeom>
-          <a:noFill/>
-          <a:ln>
-            <a:noFill/>
-          </a:ln>
-        </p:spPr>
-        <p:txBody>
-          <a:bodyPr anchorCtr="0" anchor="t" bIns="91425" lIns="91425" spcFirstLastPara="1" rIns="91425" wrap="square" tIns="91425">
-            <a:noAutofit/>
-          </a:bodyPr>
-          <a:lstStyle/>
-          <a:p>
-            <a:pPr indent="0" lvl="0" marL="0" rtl="0" algn="l">
-              <a:spcBef>
-                <a:spcPts val="0"/>
-              </a:spcBef>
-              <a:spcAft>
-                <a:spcPts val="0"/>
-              </a:spcAft>
-              <a:buNone/>
-            </a:pPr>
-            <a:r>
-              <a:rPr lang="en" sz="1300"/>
-              <a:t>Features Used:</a:t>
-            </a:r>
-            <a:endParaRPr sz="1300"/>
-          </a:p>
-          <a:p>
-            <a:pPr indent="-311150" lvl="0" marL="457200" rtl="0" algn="l">
-              <a:spcBef>
-                <a:spcPts val="0"/>
-              </a:spcBef>
-              <a:spcAft>
-                <a:spcPts val="0"/>
-              </a:spcAft>
-              <a:buSzPts val="1300"/>
-              <a:buChar char="●"/>
-            </a:pPr>
-            <a:r>
-              <a:rPr lang="en" sz="1300"/>
-              <a:t>Sqft_lot</a:t>
-            </a:r>
-            <a:endParaRPr sz="1300"/>
-          </a:p>
-          <a:p>
-            <a:pPr indent="-311150" lvl="0" marL="457200" rtl="0" algn="l">
-              <a:spcBef>
-                <a:spcPts val="0"/>
-              </a:spcBef>
-              <a:spcAft>
-                <a:spcPts val="0"/>
-              </a:spcAft>
-              <a:buSzPts val="1300"/>
-              <a:buChar char="●"/>
-            </a:pPr>
-            <a:r>
-              <a:rPr lang="en" sz="1300"/>
-              <a:t>Sqft_above</a:t>
-            </a:r>
-            <a:endParaRPr sz="1300"/>
-          </a:p>
-          <a:p>
-            <a:pPr indent="-311150" lvl="0" marL="457200" rtl="0" algn="l">
-              <a:spcBef>
-                <a:spcPts val="0"/>
-              </a:spcBef>
-              <a:spcAft>
-                <a:spcPts val="0"/>
-              </a:spcAft>
-              <a:buSzPts val="1300"/>
-              <a:buChar char="●"/>
-            </a:pPr>
-            <a:r>
-              <a:rPr lang="en" sz="1300"/>
-              <a:t>Sqft_basement</a:t>
-            </a:r>
-            <a:endParaRPr sz="1300"/>
-          </a:p>
-          <a:p>
-            <a:pPr indent="-311150" lvl="0" marL="457200" rtl="0" algn="l">
-              <a:spcBef>
-                <a:spcPts val="0"/>
-              </a:spcBef>
-              <a:spcAft>
-                <a:spcPts val="0"/>
-              </a:spcAft>
-              <a:buSzPts val="1300"/>
-              <a:buChar char="●"/>
-            </a:pPr>
-            <a:r>
-              <a:rPr lang="en" sz="1300"/>
-              <a:t>Lat</a:t>
-            </a:r>
-            <a:endParaRPr sz="1300"/>
-          </a:p>
-          <a:p>
-            <a:pPr indent="-311150" lvl="0" marL="457200" rtl="0" algn="l">
-              <a:spcBef>
-                <a:spcPts val="0"/>
-              </a:spcBef>
-              <a:spcAft>
-                <a:spcPts val="0"/>
-              </a:spcAft>
-              <a:buSzPts val="1300"/>
-              <a:buChar char="●"/>
-            </a:pPr>
-            <a:r>
-              <a:rPr lang="en" sz="1300"/>
-              <a:t>Floors</a:t>
-            </a:r>
-            <a:endParaRPr sz="1300"/>
-          </a:p>
-          <a:p>
-            <a:pPr indent="-311150" lvl="0" marL="457200" rtl="0" algn="l">
-              <a:spcBef>
-                <a:spcPts val="0"/>
-              </a:spcBef>
-              <a:spcAft>
-                <a:spcPts val="0"/>
-              </a:spcAft>
-              <a:buSzPts val="1300"/>
-              <a:buChar char="●"/>
-            </a:pPr>
-            <a:r>
-              <a:rPr lang="en" sz="1300"/>
-              <a:t>Viiew</a:t>
-            </a:r>
-            <a:endParaRPr sz="1300"/>
           </a:p>
         </p:txBody>
       </p:sp>
